--- a/Trabalho Jean Rangel/arquivos/Apresentacao/Segunda versao/Software para Detecção de Fraudes – Um Survey.pptx
+++ b/Trabalho Jean Rangel/arquivos/Apresentacao/Segunda versao/Software para Detecção de Fraudes – Um Survey.pptx
@@ -5,24 +5,25 @@
     <p:sldMasterId id="2147483648" r:id="rId1"/>
   </p:sldMasterIdLst>
   <p:notesMasterIdLst>
-    <p:notesMasterId r:id="rId17"/>
+    <p:notesMasterId r:id="rId18"/>
   </p:notesMasterIdLst>
   <p:sldIdLst>
     <p:sldId id="256" r:id="rId2"/>
     <p:sldId id="257" r:id="rId3"/>
     <p:sldId id="267" r:id="rId4"/>
     <p:sldId id="268" r:id="rId5"/>
-    <p:sldId id="258" r:id="rId6"/>
-    <p:sldId id="260" r:id="rId7"/>
-    <p:sldId id="266" r:id="rId8"/>
-    <p:sldId id="262" r:id="rId9"/>
-    <p:sldId id="269" r:id="rId10"/>
-    <p:sldId id="272" r:id="rId11"/>
-    <p:sldId id="263" r:id="rId12"/>
-    <p:sldId id="270" r:id="rId13"/>
-    <p:sldId id="261" r:id="rId14"/>
-    <p:sldId id="271" r:id="rId15"/>
-    <p:sldId id="259" r:id="rId16"/>
+    <p:sldId id="273" r:id="rId6"/>
+    <p:sldId id="258" r:id="rId7"/>
+    <p:sldId id="260" r:id="rId8"/>
+    <p:sldId id="266" r:id="rId9"/>
+    <p:sldId id="262" r:id="rId10"/>
+    <p:sldId id="269" r:id="rId11"/>
+    <p:sldId id="272" r:id="rId12"/>
+    <p:sldId id="263" r:id="rId13"/>
+    <p:sldId id="270" r:id="rId14"/>
+    <p:sldId id="261" r:id="rId15"/>
+    <p:sldId id="271" r:id="rId16"/>
+    <p:sldId id="259" r:id="rId17"/>
   </p:sldIdLst>
   <p:sldSz cx="12192000" cy="6858000"/>
   <p:notesSz cx="6858000" cy="9144000"/>
@@ -211,7 +212,7 @@
           <a:p>
             <a:fld id="{4F3FD4A5-F1F0-4246-A62D-BF5F071949F1}" type="datetimeFigureOut">
               <a:rPr lang="pt-BR" smtClean="0"/>
-              <a:t>02/08/2016</a:t>
+              <a:t>03/08/2016</a:t>
             </a:fld>
             <a:endParaRPr lang="pt-BR"/>
           </a:p>
@@ -1149,7 +1150,7 @@
           <a:p>
             <a:fld id="{9578FCD0-97F1-4A8A-A461-8D1BE5C62546}" type="datetime1">
               <a:rPr lang="en-US" smtClean="0"/>
-              <a:t>8/2/2016</a:t>
+              <a:t>8/3/2016</a:t>
             </a:fld>
             <a:endParaRPr lang="en-US" dirty="0"/>
           </a:p>
@@ -1445,7 +1446,7 @@
           <a:p>
             <a:fld id="{E4E0A17D-BC4E-47E1-A8C7-97D70AE317DC}" type="datetime1">
               <a:rPr lang="en-US" smtClean="0"/>
-              <a:t>8/2/2016</a:t>
+              <a:t>8/3/2016</a:t>
             </a:fld>
             <a:endParaRPr lang="en-US" dirty="0"/>
           </a:p>
@@ -1693,7 +1694,7 @@
           <a:p>
             <a:fld id="{DA7F6C65-D594-4C5A-98F8-197DEA049F5C}" type="datetime1">
               <a:rPr lang="en-US" smtClean="0"/>
-              <a:t>8/2/2016</a:t>
+              <a:t>8/3/2016</a:t>
             </a:fld>
             <a:endParaRPr lang="en-US" dirty="0"/>
           </a:p>
@@ -2233,7 +2234,7 @@
           <a:p>
             <a:fld id="{47C48C6E-F5C2-48FA-B41D-CC45F1A558F0}" type="datetime1">
               <a:rPr lang="en-US" smtClean="0"/>
-              <a:t>8/2/2016</a:t>
+              <a:t>8/3/2016</a:t>
             </a:fld>
             <a:endParaRPr lang="en-US" dirty="0"/>
           </a:p>
@@ -2481,7 +2482,7 @@
           <a:p>
             <a:fld id="{15881C0C-5996-4FCA-AF73-28DFF9669C82}" type="datetime1">
               <a:rPr lang="en-US" smtClean="0"/>
-              <a:t>8/2/2016</a:t>
+              <a:t>8/3/2016</a:t>
             </a:fld>
             <a:endParaRPr lang="en-US" dirty="0"/>
           </a:p>
@@ -3013,7 +3014,7 @@
           <a:p>
             <a:fld id="{C34EEF24-02A5-4922-B38A-03631FD56F8B}" type="datetime1">
               <a:rPr lang="en-US" smtClean="0"/>
-              <a:t>8/2/2016</a:t>
+              <a:t>8/3/2016</a:t>
             </a:fld>
             <a:endParaRPr lang="en-US" dirty="0"/>
           </a:p>
@@ -3310,7 +3311,7 @@
           <a:p>
             <a:fld id="{4BB3DC62-D5D0-4C3D-8814-8AE96A1BD6B9}" type="datetime1">
               <a:rPr lang="en-US" smtClean="0"/>
-              <a:t>8/2/2016</a:t>
+              <a:t>8/3/2016</a:t>
             </a:fld>
             <a:endParaRPr lang="en-US" dirty="0"/>
           </a:p>
@@ -3484,7 +3485,7 @@
           <a:p>
             <a:fld id="{8958D7DE-538A-41D0-A4C0-77D2D2E319B9}" type="datetime1">
               <a:rPr lang="en-US" smtClean="0"/>
-              <a:t>8/2/2016</a:t>
+              <a:t>8/3/2016</a:t>
             </a:fld>
             <a:endParaRPr lang="en-US" dirty="0"/>
           </a:p>
@@ -3664,7 +3665,7 @@
           <a:p>
             <a:fld id="{B3BA72E3-B87F-4C10-B61B-C2656FBC65A4}" type="datetime1">
               <a:rPr lang="en-US" smtClean="0"/>
-              <a:t>8/2/2016</a:t>
+              <a:t>8/3/2016</a:t>
             </a:fld>
             <a:endParaRPr lang="en-US" dirty="0"/>
           </a:p>
@@ -3834,7 +3835,7 @@
           <a:p>
             <a:fld id="{3DE91ACB-AEBA-4994-87E4-A4205881A450}" type="datetime1">
               <a:rPr lang="en-US" smtClean="0"/>
-              <a:t>8/2/2016</a:t>
+              <a:t>8/3/2016</a:t>
             </a:fld>
             <a:endParaRPr lang="en-US" dirty="0"/>
           </a:p>
@@ -4085,7 +4086,7 @@
           <a:p>
             <a:fld id="{774CF394-D056-44D9-9DEC-944346A17A36}" type="datetime1">
               <a:rPr lang="en-US" smtClean="0"/>
-              <a:t>8/2/2016</a:t>
+              <a:t>8/3/2016</a:t>
             </a:fld>
             <a:endParaRPr lang="en-US" dirty="0"/>
           </a:p>
@@ -4382,7 +4383,7 @@
           <a:p>
             <a:fld id="{4651659A-78C4-401D-B9FA-E17FFC9419BB}" type="datetime1">
               <a:rPr lang="en-US" smtClean="0"/>
-              <a:t>8/2/2016</a:t>
+              <a:t>8/3/2016</a:t>
             </a:fld>
             <a:endParaRPr lang="en-US" dirty="0"/>
           </a:p>
@@ -4824,7 +4825,7 @@
           <a:p>
             <a:fld id="{A002C58A-C3F7-4C50-9F01-735CE4AFD8D2}" type="datetime1">
               <a:rPr lang="en-US" smtClean="0"/>
-              <a:t>8/2/2016</a:t>
+              <a:t>8/3/2016</a:t>
             </a:fld>
             <a:endParaRPr lang="en-US" dirty="0"/>
           </a:p>
@@ -4942,7 +4943,7 @@
           <a:p>
             <a:fld id="{62CDF39B-4085-49CE-A5EB-BCD6418E9B00}" type="datetime1">
               <a:rPr lang="en-US" smtClean="0"/>
-              <a:t>8/2/2016</a:t>
+              <a:t>8/3/2016</a:t>
             </a:fld>
             <a:endParaRPr lang="en-US" dirty="0"/>
           </a:p>
@@ -5037,7 +5038,7 @@
           <a:p>
             <a:fld id="{F2EEE047-DACA-4A22-9C8F-2CCD5C4CE555}" type="datetime1">
               <a:rPr lang="en-US" smtClean="0"/>
-              <a:t>8/2/2016</a:t>
+              <a:t>8/3/2016</a:t>
             </a:fld>
             <a:endParaRPr lang="en-US" dirty="0"/>
           </a:p>
@@ -5320,7 +5321,7 @@
           <a:p>
             <a:fld id="{787A5DD5-B09A-4F2C-A9C6-C421176CD630}" type="datetime1">
               <a:rPr lang="en-US" smtClean="0"/>
-              <a:t>8/2/2016</a:t>
+              <a:t>8/3/2016</a:t>
             </a:fld>
             <a:endParaRPr lang="en-US" dirty="0"/>
           </a:p>
@@ -5611,7 +5612,7 @@
           <a:p>
             <a:fld id="{F1E70E03-0790-4F75-8848-00880ED5F0C9}" type="datetime1">
               <a:rPr lang="en-US" smtClean="0"/>
-              <a:t>8/2/2016</a:t>
+              <a:t>8/3/2016</a:t>
             </a:fld>
             <a:endParaRPr lang="en-US" dirty="0"/>
           </a:p>
@@ -6141,7 +6142,7 @@
           <a:p>
             <a:fld id="{224C9684-2E02-44A0-8A7C-88CA58D88A7E}" type="datetime1">
               <a:rPr lang="en-US" smtClean="0"/>
-              <a:t>8/2/2016</a:t>
+              <a:t>8/3/2016</a:t>
             </a:fld>
             <a:endParaRPr lang="en-US" dirty="0"/>
           </a:p>
@@ -6692,15 +6693,7 @@
           <a:p>
             <a:r>
               <a:rPr lang="pt-BR" dirty="0" smtClean="0"/>
-              <a:t>Detecção </a:t>
-            </a:r>
-            <a:r>
-              <a:rPr lang="pt-BR" dirty="0" smtClean="0"/>
-              <a:t>de Fraudes </a:t>
-            </a:r>
-            <a:r>
-              <a:rPr lang="pt-BR" dirty="0" smtClean="0"/>
-              <a:t>em Cartões de Crédito – Uma Revisão Sistemática</a:t>
+              <a:t>Detecção de Fraudes em Cartões de Crédito – Uma Revisão Sistemática</a:t>
             </a:r>
             <a:endParaRPr lang="pt-BR" dirty="0"/>
           </a:p>
@@ -6864,44 +6857,80 @@
           <a:p>
             <a:r>
               <a:rPr lang="pt-BR" dirty="0" smtClean="0"/>
-              <a:t>Problemas a </a:t>
+              <a:t>Técnicas </a:t>
+            </a:r>
+            <a:r>
+              <a:rPr lang="pt-BR" dirty="0" smtClean="0"/>
+              <a:t>utilizadas</a:t>
+            </a:r>
+            <a:endParaRPr lang="pt-BR" dirty="0"/>
+          </a:p>
+        </p:txBody>
+      </p:sp>
+      <p:sp>
+        <p:nvSpPr>
+          <p:cNvPr id="3" name="Espaço Reservado para Conteúdo 2"/>
+          <p:cNvSpPr>
+            <a:spLocks noGrp="1"/>
+          </p:cNvSpPr>
+          <p:nvPr>
+            <p:ph idx="1"/>
+          </p:nvPr>
+        </p:nvSpPr>
+        <p:spPr/>
+        <p:txBody>
+          <a:bodyPr/>
+          <a:lstStyle/>
+          <a:p>
+            <a:r>
+              <a:rPr lang="pt-BR" dirty="0" smtClean="0"/>
+              <a:t>Detecção de vizinhos;</a:t>
+            </a:r>
+          </a:p>
+          <a:p>
+            <a:r>
+              <a:rPr lang="pt-BR" dirty="0" smtClean="0"/>
+              <a:t>Detecção de desvio de padrões;</a:t>
+            </a:r>
+          </a:p>
+          <a:p>
+            <a:r>
+              <a:rPr lang="pt-BR" dirty="0" smtClean="0"/>
+              <a:t>Detecção de fraudes;</a:t>
+            </a:r>
+          </a:p>
+          <a:p>
+            <a:r>
+              <a:rPr lang="pt-BR" dirty="0" smtClean="0"/>
+              <a:t>Prevenção de fraudes;</a:t>
+            </a:r>
+          </a:p>
+          <a:p>
+            <a:r>
+              <a:rPr lang="pt-BR" dirty="0" smtClean="0"/>
+              <a:t>Algoritmos em tempo real/off-line;</a:t>
+            </a:r>
+          </a:p>
+          <a:p>
+            <a:r>
+              <a:rPr lang="pt-BR" dirty="0" smtClean="0"/>
+              <a:t>Outros (aprendizado </a:t>
             </a:r>
             <a:r>
               <a:rPr lang="pt-BR" dirty="0"/>
-              <a:t>S</a:t>
+              <a:t>de </a:t>
             </a:r>
             <a:r>
               <a:rPr lang="pt-BR" dirty="0" smtClean="0"/>
-              <a:t>erem Solucionados ou Melhorados</a:t>
-            </a:r>
-            <a:endParaRPr lang="pt-BR" dirty="0"/>
-          </a:p>
-        </p:txBody>
-      </p:sp>
-      <p:sp>
-        <p:nvSpPr>
-          <p:cNvPr id="3" name="Espaço Reservado para Conteúdo 2"/>
-          <p:cNvSpPr>
-            <a:spLocks noGrp="1"/>
-          </p:cNvSpPr>
-          <p:nvPr>
-            <p:ph idx="1"/>
-          </p:nvPr>
-        </p:nvSpPr>
-        <p:spPr/>
-        <p:txBody>
-          <a:bodyPr/>
-          <a:lstStyle/>
-          <a:p>
+              <a:t>máquina, k-</a:t>
+            </a:r>
+            <a:r>
+              <a:rPr lang="pt-BR" dirty="0" err="1" smtClean="0"/>
+              <a:t>means</a:t>
+            </a:r>
             <a:r>
               <a:rPr lang="pt-BR" dirty="0" smtClean="0"/>
-              <a:t>Baixa velocidade para sistemas que necessitam processamento em tempo real;</a:t>
-            </a:r>
-          </a:p>
-          <a:p>
-            <a:r>
-              <a:rPr lang="pt-BR" dirty="0" smtClean="0"/>
-              <a:t>Indicação de falsos positivos (usuário normal taxado como fraudulento) ou falsos negativos (fraudador indicado como confiável).</a:t>
+              <a:t>, ruído gaussiano, ...)</a:t>
             </a:r>
             <a:endParaRPr lang="pt-BR" dirty="0"/>
           </a:p>
@@ -6957,7 +6986,7 @@
     </p:spTree>
     <p:extLst>
       <p:ext uri="{BB962C8B-B14F-4D97-AF65-F5344CB8AC3E}">
-        <p14:creationId xmlns:p14="http://schemas.microsoft.com/office/powerpoint/2010/main" val="3709411159"/>
+        <p14:creationId xmlns:p14="http://schemas.microsoft.com/office/powerpoint/2010/main" val="3575291420"/>
       </p:ext>
     </p:extLst>
   </p:cSld>
@@ -7001,7 +7030,31 @@
           <a:p>
             <a:r>
               <a:rPr lang="pt-BR" dirty="0" smtClean="0"/>
-              <a:t>Metodologia</a:t>
+              <a:t>Problemas a </a:t>
+            </a:r>
+            <a:r>
+              <a:rPr lang="pt-BR" dirty="0"/>
+              <a:t>s</a:t>
+            </a:r>
+            <a:r>
+              <a:rPr lang="pt-BR" dirty="0" smtClean="0"/>
+              <a:t>erem </a:t>
+            </a:r>
+            <a:r>
+              <a:rPr lang="pt-BR" dirty="0"/>
+              <a:t>s</a:t>
+            </a:r>
+            <a:r>
+              <a:rPr lang="pt-BR" dirty="0" smtClean="0"/>
+              <a:t>olucionados </a:t>
+            </a:r>
+            <a:r>
+              <a:rPr lang="pt-BR" dirty="0" smtClean="0"/>
+              <a:t>ou </a:t>
+            </a:r>
+            <a:r>
+              <a:rPr lang="pt-BR" dirty="0" smtClean="0"/>
+              <a:t>melhorados</a:t>
             </a:r>
             <a:endParaRPr lang="pt-BR" dirty="0"/>
           </a:p>
@@ -7024,19 +7077,13 @@
           <a:p>
             <a:r>
               <a:rPr lang="pt-BR" dirty="0" smtClean="0"/>
-              <a:t>Realizar um levantamento no Estado da Arte buscando aproximar do objetivo encontrado;</a:t>
+              <a:t>Baixa velocidade para sistemas que necessitam processamento em tempo real;</a:t>
             </a:r>
           </a:p>
           <a:p>
             <a:r>
               <a:rPr lang="pt-BR" dirty="0" smtClean="0"/>
-              <a:t>Desenvolver a procura em bases de dados globais na área da informática científica;</a:t>
-            </a:r>
-          </a:p>
-          <a:p>
-            <a:r>
-              <a:rPr lang="pt-BR" dirty="0" smtClean="0"/>
-              <a:t>Priorizar por tecnologias de código aberto e linguagens orientadas a objetos.</a:t>
+              <a:t>Indicação de falsos positivos (usuário normal taxado como fraudulento) ou falsos negativos (fraudador indicado como confiável).</a:t>
             </a:r>
             <a:endParaRPr lang="pt-BR" dirty="0"/>
           </a:p>
@@ -7092,7 +7139,7 @@
     </p:spTree>
     <p:extLst>
       <p:ext uri="{BB962C8B-B14F-4D97-AF65-F5344CB8AC3E}">
-        <p14:creationId xmlns:p14="http://schemas.microsoft.com/office/powerpoint/2010/main" val="1321990106"/>
+        <p14:creationId xmlns:p14="http://schemas.microsoft.com/office/powerpoint/2010/main" val="3709411159"/>
       </p:ext>
     </p:extLst>
   </p:cSld>
@@ -7129,50 +7176,77 @@
             <p:ph type="title"/>
           </p:nvPr>
         </p:nvSpPr>
-        <p:spPr>
-          <a:xfrm>
-            <a:off x="1484311" y="-408903"/>
-            <a:ext cx="10018713" cy="1752599"/>
-          </a:xfrm>
-        </p:spPr>
+        <p:spPr/>
         <p:txBody>
           <a:bodyPr/>
           <a:lstStyle/>
           <a:p>
             <a:r>
               <a:rPr lang="pt-BR" dirty="0" smtClean="0"/>
-              <a:t>Método de Pesquisa</a:t>
+              <a:t>Metodologia</a:t>
             </a:r>
             <a:endParaRPr lang="pt-BR" dirty="0"/>
           </a:p>
         </p:txBody>
       </p:sp>
-      <p:pic>
-        <p:nvPicPr>
-          <p:cNvPr id="6" name="Espaço Reservado para Conteúdo 5"/>
-          <p:cNvPicPr>
-            <a:picLocks noGrp="1" noChangeAspect="1"/>
-          </p:cNvPicPr>
+      <p:sp>
+        <p:nvSpPr>
+          <p:cNvPr id="3" name="Espaço Reservado para Conteúdo 2"/>
+          <p:cNvSpPr>
+            <a:spLocks noGrp="1"/>
+          </p:cNvSpPr>
           <p:nvPr>
             <p:ph idx="1"/>
           </p:nvPr>
-        </p:nvPicPr>
-        <p:blipFill>
-          <a:blip r:embed="rId2"/>
-          <a:stretch>
-            <a:fillRect/>
-          </a:stretch>
-        </p:blipFill>
-        <p:spPr>
-          <a:xfrm>
-            <a:off x="3186162" y="905634"/>
-            <a:ext cx="6621686" cy="5823578"/>
-          </a:xfrm>
-          <a:prstGeom prst="rect">
-            <a:avLst/>
-          </a:prstGeom>
-        </p:spPr>
-      </p:pic>
+        </p:nvSpPr>
+        <p:spPr/>
+        <p:txBody>
+          <a:bodyPr/>
+          <a:lstStyle/>
+          <a:p>
+            <a:r>
+              <a:rPr lang="pt-BR" dirty="0" smtClean="0"/>
+              <a:t>Realizar um levantamento no Estado da Arte buscando aproximar do objetivo encontrado;</a:t>
+            </a:r>
+          </a:p>
+          <a:p>
+            <a:r>
+              <a:rPr lang="pt-BR" dirty="0" smtClean="0"/>
+              <a:t>Desenvolver a procura em bases de dados globais na área da informática científica;</a:t>
+            </a:r>
+          </a:p>
+          <a:p>
+            <a:r>
+              <a:rPr lang="pt-BR" dirty="0" smtClean="0"/>
+              <a:t>Priorizar por tecnologias de código aberto e linguagens orientadas a objetos.</a:t>
+            </a:r>
+            <a:endParaRPr lang="pt-BR" dirty="0"/>
+          </a:p>
+        </p:txBody>
+      </p:sp>
+      <p:sp>
+        <p:nvSpPr>
+          <p:cNvPr id="4" name="Espaço Reservado para Rodapé 3"/>
+          <p:cNvSpPr>
+            <a:spLocks noGrp="1"/>
+          </p:cNvSpPr>
+          <p:nvPr>
+            <p:ph type="ftr" sz="quarter" idx="11"/>
+          </p:nvPr>
+        </p:nvSpPr>
+        <p:spPr/>
+        <p:txBody>
+          <a:bodyPr/>
+          <a:lstStyle/>
+          <a:p>
+            <a:r>
+              <a:rPr lang="pt-BR" smtClean="0"/>
+              <a:t>Software para Detecção de Fraudes - Um Survey</a:t>
+            </a:r>
+            <a:endParaRPr lang="en-US" dirty="0"/>
+          </a:p>
+        </p:txBody>
+      </p:sp>
       <p:sp>
         <p:nvSpPr>
           <p:cNvPr id="5" name="Espaço Reservado para Número de Slide 4"/>
@@ -7200,7 +7274,7 @@
     </p:spTree>
     <p:extLst>
       <p:ext uri="{BB962C8B-B14F-4D97-AF65-F5344CB8AC3E}">
-        <p14:creationId xmlns:p14="http://schemas.microsoft.com/office/powerpoint/2010/main" val="1186123060"/>
+        <p14:creationId xmlns:p14="http://schemas.microsoft.com/office/powerpoint/2010/main" val="1321990106"/>
       </p:ext>
     </p:extLst>
   </p:cSld>
@@ -7237,145 +7311,50 @@
             <p:ph type="title"/>
           </p:nvPr>
         </p:nvSpPr>
-        <p:spPr/>
+        <p:spPr>
+          <a:xfrm>
+            <a:off x="1484311" y="-408903"/>
+            <a:ext cx="10018713" cy="1752599"/>
+          </a:xfrm>
+        </p:spPr>
         <p:txBody>
           <a:bodyPr/>
           <a:lstStyle/>
           <a:p>
             <a:r>
               <a:rPr lang="pt-BR" dirty="0" smtClean="0"/>
-              <a:t>Indicação da Revista</a:t>
+              <a:t>Método de Pesquisa</a:t>
             </a:r>
             <a:endParaRPr lang="pt-BR" dirty="0"/>
           </a:p>
         </p:txBody>
       </p:sp>
-      <p:sp>
-        <p:nvSpPr>
-          <p:cNvPr id="3" name="Espaço Reservado para Conteúdo 2"/>
-          <p:cNvSpPr>
-            <a:spLocks noGrp="1"/>
-          </p:cNvSpPr>
+      <p:pic>
+        <p:nvPicPr>
+          <p:cNvPr id="6" name="Espaço Reservado para Conteúdo 5"/>
+          <p:cNvPicPr>
+            <a:picLocks noGrp="1" noChangeAspect="1"/>
+          </p:cNvPicPr>
           <p:nvPr>
             <p:ph idx="1"/>
           </p:nvPr>
-        </p:nvSpPr>
-        <p:spPr/>
-        <p:txBody>
-          <a:bodyPr/>
-          <a:lstStyle/>
-          <a:p>
-            <a:r>
-              <a:rPr lang="en-US" dirty="0" err="1" smtClean="0"/>
-              <a:t>Foco</a:t>
-            </a:r>
-            <a:r>
-              <a:rPr lang="en-US" dirty="0" smtClean="0"/>
-              <a:t> </a:t>
-            </a:r>
-            <a:r>
-              <a:rPr lang="en-US" dirty="0" err="1" smtClean="0"/>
-              <a:t>em</a:t>
-            </a:r>
-            <a:r>
-              <a:rPr lang="en-US" dirty="0" smtClean="0"/>
-              <a:t> </a:t>
-            </a:r>
-            <a:r>
-              <a:rPr lang="en-US" dirty="0" err="1" smtClean="0"/>
-              <a:t>métodos</a:t>
-            </a:r>
-            <a:r>
-              <a:rPr lang="en-US" dirty="0" smtClean="0"/>
-              <a:t> e </a:t>
-            </a:r>
-            <a:r>
-              <a:rPr lang="en-US" dirty="0" err="1" smtClean="0"/>
-              <a:t>técnicas</a:t>
-            </a:r>
-            <a:r>
-              <a:rPr lang="en-US" dirty="0" smtClean="0"/>
-              <a:t> para </a:t>
-            </a:r>
-            <a:r>
-              <a:rPr lang="en-US" dirty="0" err="1" smtClean="0"/>
-              <a:t>mineração</a:t>
-            </a:r>
-            <a:r>
-              <a:rPr lang="en-US" dirty="0" smtClean="0"/>
-              <a:t> de dados.</a:t>
-            </a:r>
-          </a:p>
-          <a:p>
-            <a:pPr marL="0" indent="0">
-              <a:buNone/>
-            </a:pPr>
-            <a:r>
-              <a:rPr lang="en-US" b="1" dirty="0" smtClean="0"/>
-              <a:t>	Data </a:t>
-            </a:r>
-            <a:r>
-              <a:rPr lang="en-US" b="1" dirty="0"/>
-              <a:t>Mining and Knowledge </a:t>
-            </a:r>
-            <a:r>
-              <a:rPr lang="en-US" b="1" dirty="0" smtClean="0"/>
-              <a:t>Discovery </a:t>
-            </a:r>
-            <a:r>
-              <a:rPr lang="en-US" dirty="0" smtClean="0"/>
-              <a:t>(</a:t>
-            </a:r>
-            <a:r>
-              <a:rPr lang="en-US" dirty="0" err="1" smtClean="0"/>
-              <a:t>Qualis</a:t>
-            </a:r>
-            <a:r>
-              <a:rPr lang="en-US" dirty="0" smtClean="0"/>
-              <a:t> Capes </a:t>
-            </a:r>
-            <a:r>
-              <a:rPr lang="pt-BR" dirty="0" smtClean="0"/>
-              <a:t>B1)</a:t>
-            </a:r>
-          </a:p>
-          <a:p>
-            <a:endParaRPr lang="pt-BR" dirty="0"/>
-          </a:p>
-          <a:p>
-            <a:pPr marL="0" indent="0">
-              <a:buNone/>
-            </a:pPr>
-            <a:r>
-              <a:rPr lang="pt-BR" dirty="0"/>
-              <a:t>http://link.springer.com/journal/10618</a:t>
-            </a:r>
-          </a:p>
-        </p:txBody>
-      </p:sp>
-      <p:sp>
-        <p:nvSpPr>
-          <p:cNvPr id="4" name="Espaço Reservado para Rodapé 3"/>
-          <p:cNvSpPr>
-            <a:spLocks noGrp="1"/>
-          </p:cNvSpPr>
-          <p:nvPr>
-            <p:ph type="ftr" sz="quarter" idx="11"/>
-          </p:nvPr>
-        </p:nvSpPr>
-        <p:spPr/>
-        <p:txBody>
-          <a:bodyPr/>
-          <a:lstStyle/>
-          <a:p>
-            <a:r>
-              <a:rPr lang="pt-BR" smtClean="0"/>
-              <a:t>Software para Detecção de Fraudes - Um Survey</a:t>
-            </a:r>
-            <a:endParaRPr lang="en-US" dirty="0"/>
-          </a:p>
-        </p:txBody>
-      </p:sp>
+        </p:nvPicPr>
+        <p:blipFill>
+          <a:blip r:embed="rId2"/>
+          <a:stretch>
+            <a:fillRect/>
+          </a:stretch>
+        </p:blipFill>
+        <p:spPr>
+          <a:xfrm>
+            <a:off x="3186162" y="905634"/>
+            <a:ext cx="6621686" cy="5823578"/>
+          </a:xfrm>
+          <a:prstGeom prst="rect">
+            <a:avLst/>
+          </a:prstGeom>
+        </p:spPr>
+      </p:pic>
       <p:sp>
         <p:nvSpPr>
           <p:cNvPr id="5" name="Espaço Reservado para Número de Slide 4"/>
@@ -7403,7 +7382,7 @@
     </p:spTree>
     <p:extLst>
       <p:ext uri="{BB962C8B-B14F-4D97-AF65-F5344CB8AC3E}">
-        <p14:creationId xmlns:p14="http://schemas.microsoft.com/office/powerpoint/2010/main" val="3969561268"/>
+        <p14:creationId xmlns:p14="http://schemas.microsoft.com/office/powerpoint/2010/main" val="1186123060"/>
       </p:ext>
     </p:extLst>
   </p:cSld>
@@ -7447,7 +7426,11 @@
           <a:p>
             <a:r>
               <a:rPr lang="pt-BR" dirty="0" smtClean="0"/>
-              <a:t>Cronograma</a:t>
+              <a:t>Indicação da </a:t>
+            </a:r>
+            <a:r>
+              <a:rPr lang="pt-BR" dirty="0" smtClean="0"/>
+              <a:t>revista</a:t>
             </a:r>
             <a:endParaRPr lang="pt-BR" dirty="0"/>
           </a:p>
@@ -7468,7 +7451,91 @@
           <a:bodyPr/>
           <a:lstStyle/>
           <a:p>
+            <a:r>
+              <a:rPr lang="en-US" dirty="0" err="1" smtClean="0"/>
+              <a:t>Foco</a:t>
+            </a:r>
+            <a:r>
+              <a:rPr lang="en-US" dirty="0" smtClean="0"/>
+              <a:t> </a:t>
+            </a:r>
+            <a:r>
+              <a:rPr lang="en-US" dirty="0" err="1" smtClean="0"/>
+              <a:t>em</a:t>
+            </a:r>
+            <a:r>
+              <a:rPr lang="en-US" dirty="0" smtClean="0"/>
+              <a:t> </a:t>
+            </a:r>
+            <a:r>
+              <a:rPr lang="en-US" dirty="0" err="1" smtClean="0"/>
+              <a:t>métodos</a:t>
+            </a:r>
+            <a:r>
+              <a:rPr lang="en-US" dirty="0" smtClean="0"/>
+              <a:t> e </a:t>
+            </a:r>
+            <a:r>
+              <a:rPr lang="en-US" dirty="0" err="1" smtClean="0"/>
+              <a:t>técnicas</a:t>
+            </a:r>
+            <a:r>
+              <a:rPr lang="en-US" dirty="0" smtClean="0"/>
+              <a:t> para </a:t>
+            </a:r>
+            <a:r>
+              <a:rPr lang="en-US" dirty="0" err="1" smtClean="0"/>
+              <a:t>mineração</a:t>
+            </a:r>
+            <a:r>
+              <a:rPr lang="en-US" dirty="0" smtClean="0"/>
+              <a:t> de dados.</a:t>
+            </a:r>
+          </a:p>
+          <a:p>
+            <a:pPr marL="0" indent="0">
+              <a:buNone/>
+            </a:pPr>
+            <a:r>
+              <a:rPr lang="en-US" b="1" dirty="0" smtClean="0"/>
+              <a:t>	Data </a:t>
+            </a:r>
+            <a:r>
+              <a:rPr lang="en-US" b="1" dirty="0"/>
+              <a:t>Mining and Knowledge </a:t>
+            </a:r>
+            <a:r>
+              <a:rPr lang="en-US" b="1" dirty="0" smtClean="0"/>
+              <a:t>Discovery </a:t>
+            </a:r>
+            <a:r>
+              <a:rPr lang="en-US" dirty="0" smtClean="0"/>
+              <a:t>(</a:t>
+            </a:r>
+            <a:r>
+              <a:rPr lang="en-US" dirty="0" err="1" smtClean="0"/>
+              <a:t>Qualis</a:t>
+            </a:r>
+            <a:r>
+              <a:rPr lang="en-US" dirty="0" smtClean="0"/>
+              <a:t> Capes </a:t>
+            </a:r>
+            <a:r>
+              <a:rPr lang="pt-BR" dirty="0" smtClean="0"/>
+              <a:t>B1)</a:t>
+            </a:r>
+          </a:p>
+          <a:p>
             <a:endParaRPr lang="pt-BR" dirty="0"/>
+          </a:p>
+          <a:p>
+            <a:pPr marL="0" indent="0">
+              <a:buNone/>
+            </a:pPr>
+            <a:r>
+              <a:rPr lang="pt-BR" dirty="0"/>
+              <a:t>http://link.springer.com/journal/10618</a:t>
+            </a:r>
           </a:p>
         </p:txBody>
       </p:sp>
@@ -7514,6 +7581,125 @@
               <a:rPr lang="en-US" smtClean="0"/>
               <a:pPr/>
               <a:t>14</a:t>
+            </a:fld>
+            <a:endParaRPr lang="en-US" dirty="0"/>
+          </a:p>
+        </p:txBody>
+      </p:sp>
+    </p:spTree>
+    <p:extLst>
+      <p:ext uri="{BB962C8B-B14F-4D97-AF65-F5344CB8AC3E}">
+        <p14:creationId xmlns:p14="http://schemas.microsoft.com/office/powerpoint/2010/main" val="3969561268"/>
+      </p:ext>
+    </p:extLst>
+  </p:cSld>
+  <p:clrMapOvr>
+    <a:masterClrMapping/>
+  </p:clrMapOvr>
+</p:sld>
+</file>
+
+<file path=ppt/slides/slide15.xml><?xml version="1.0" encoding="utf-8"?>
+<p:sld xmlns:a="http://schemas.openxmlformats.org/drawingml/2006/main" xmlns:r="http://schemas.openxmlformats.org/officeDocument/2006/relationships" xmlns:p="http://schemas.openxmlformats.org/presentationml/2006/main">
+  <p:cSld>
+    <p:spTree>
+      <p:nvGrpSpPr>
+        <p:cNvPr id="1" name=""/>
+        <p:cNvGrpSpPr/>
+        <p:nvPr/>
+      </p:nvGrpSpPr>
+      <p:grpSpPr>
+        <a:xfrm>
+          <a:off x="0" y="0"/>
+          <a:ext cx="0" cy="0"/>
+          <a:chOff x="0" y="0"/>
+          <a:chExt cx="0" cy="0"/>
+        </a:xfrm>
+      </p:grpSpPr>
+      <p:sp>
+        <p:nvSpPr>
+          <p:cNvPr id="2" name="Título 1"/>
+          <p:cNvSpPr>
+            <a:spLocks noGrp="1"/>
+          </p:cNvSpPr>
+          <p:nvPr>
+            <p:ph type="title"/>
+          </p:nvPr>
+        </p:nvSpPr>
+        <p:spPr/>
+        <p:txBody>
+          <a:bodyPr/>
+          <a:lstStyle/>
+          <a:p>
+            <a:r>
+              <a:rPr lang="pt-BR" dirty="0" smtClean="0"/>
+              <a:t>Cronograma</a:t>
+            </a:r>
+            <a:endParaRPr lang="pt-BR" dirty="0"/>
+          </a:p>
+        </p:txBody>
+      </p:sp>
+      <p:sp>
+        <p:nvSpPr>
+          <p:cNvPr id="3" name="Espaço Reservado para Conteúdo 2"/>
+          <p:cNvSpPr>
+            <a:spLocks noGrp="1"/>
+          </p:cNvSpPr>
+          <p:nvPr>
+            <p:ph idx="1"/>
+          </p:nvPr>
+        </p:nvSpPr>
+        <p:spPr/>
+        <p:txBody>
+          <a:bodyPr/>
+          <a:lstStyle/>
+          <a:p>
+            <a:endParaRPr lang="pt-BR" dirty="0"/>
+          </a:p>
+        </p:txBody>
+      </p:sp>
+      <p:sp>
+        <p:nvSpPr>
+          <p:cNvPr id="4" name="Espaço Reservado para Rodapé 3"/>
+          <p:cNvSpPr>
+            <a:spLocks noGrp="1"/>
+          </p:cNvSpPr>
+          <p:nvPr>
+            <p:ph type="ftr" sz="quarter" idx="11"/>
+          </p:nvPr>
+        </p:nvSpPr>
+        <p:spPr/>
+        <p:txBody>
+          <a:bodyPr/>
+          <a:lstStyle/>
+          <a:p>
+            <a:r>
+              <a:rPr lang="pt-BR" smtClean="0"/>
+              <a:t>Software para Detecção de Fraudes - Um Survey</a:t>
+            </a:r>
+            <a:endParaRPr lang="en-US" dirty="0"/>
+          </a:p>
+        </p:txBody>
+      </p:sp>
+      <p:sp>
+        <p:nvSpPr>
+          <p:cNvPr id="5" name="Espaço Reservado para Número de Slide 4"/>
+          <p:cNvSpPr>
+            <a:spLocks noGrp="1"/>
+          </p:cNvSpPr>
+          <p:nvPr>
+            <p:ph type="sldNum" sz="quarter" idx="12"/>
+          </p:nvPr>
+        </p:nvSpPr>
+        <p:spPr/>
+        <p:txBody>
+          <a:bodyPr/>
+          <a:lstStyle/>
+          <a:p>
+            <a:fld id="{D57F1E4F-1CFF-5643-939E-217C01CDF565}" type="slidenum">
+              <a:rPr lang="en-US" smtClean="0"/>
+              <a:pPr/>
+              <a:t>15</a:t>
             </a:fld>
             <a:endParaRPr lang="en-US" dirty="0"/>
           </a:p>
@@ -7556,7 +7742,7 @@
 </p:sld>
 </file>
 
-<file path=ppt/slides/slide15.xml><?xml version="1.0" encoding="utf-8"?>
+<file path=ppt/slides/slide16.xml><?xml version="1.0" encoding="utf-8"?>
 <p:sld xmlns:a="http://schemas.openxmlformats.org/drawingml/2006/main" xmlns:r="http://schemas.openxmlformats.org/officeDocument/2006/relationships" xmlns:p="http://schemas.openxmlformats.org/presentationml/2006/main">
   <p:cSld>
     <p:spTree>
@@ -7609,137 +7795,222 @@
         <p:spPr/>
         <p:txBody>
           <a:bodyPr>
-            <a:normAutofit fontScale="85000" lnSpcReduction="20000"/>
+            <a:normAutofit fontScale="70000" lnSpcReduction="20000"/>
           </a:bodyPr>
           <a:lstStyle/>
           <a:p>
             <a:r>
-              <a:rPr lang="pt-BR" dirty="0"/>
-              <a:t>CHANDOLA, V.; BANERJEE, A.; KUMAR, V. </a:t>
-            </a:r>
-            <a:r>
-              <a:rPr lang="pt-BR" dirty="0" err="1"/>
-              <a:t>Anomaly</a:t>
-            </a:r>
-            <a:r>
-              <a:rPr lang="pt-BR" dirty="0"/>
+              <a:rPr lang="en-US" dirty="0" smtClean="0"/>
+              <a:t>[1] </a:t>
+            </a:r>
+            <a:r>
+              <a:rPr lang="en-US" dirty="0" err="1" smtClean="0"/>
+              <a:t>Abdallah</a:t>
+            </a:r>
+            <a:r>
+              <a:rPr lang="en-US" dirty="0" smtClean="0"/>
               <a:t> </a:t>
             </a:r>
             <a:r>
-              <a:rPr lang="pt-BR" dirty="0" err="1"/>
-              <a:t>detection</a:t>
-            </a:r>
-            <a:r>
-              <a:rPr lang="pt-BR" dirty="0"/>
-              <a:t>: A </a:t>
-            </a:r>
-            <a:r>
-              <a:rPr lang="pt-BR" dirty="0" err="1"/>
-              <a:t>survey</a:t>
-            </a:r>
-            <a:r>
-              <a:rPr lang="pt-BR" dirty="0"/>
-              <a:t>. </a:t>
+              <a:rPr lang="en-US" dirty="0"/>
+              <a:t>A, </a:t>
+            </a:r>
+            <a:r>
+              <a:rPr lang="en-US" dirty="0" err="1"/>
+              <a:t>Maarof</a:t>
+            </a:r>
+            <a:r>
+              <a:rPr lang="en-US" dirty="0"/>
+              <a:t> MA, </a:t>
+            </a:r>
+            <a:r>
+              <a:rPr lang="en-US" dirty="0" err="1"/>
+              <a:t>Zainal</a:t>
+            </a:r>
+            <a:r>
+              <a:rPr lang="en-US" dirty="0"/>
+              <a:t> A (2016) Fraud detection system: A </a:t>
+            </a:r>
+            <a:r>
+              <a:rPr lang="en-US" dirty="0" smtClean="0"/>
+              <a:t>survey. Journal </a:t>
+            </a:r>
+            <a:r>
+              <a:rPr lang="en-US" dirty="0"/>
+              <a:t>of Network </a:t>
+            </a:r>
+            <a:r>
+              <a:rPr lang="en-US" dirty="0" smtClean="0"/>
+              <a:t>and Computer </a:t>
+            </a:r>
+            <a:r>
+              <a:rPr lang="en-US" dirty="0"/>
+              <a:t>Applications 68:90 – </a:t>
+            </a:r>
+            <a:r>
+              <a:rPr lang="en-US" dirty="0" smtClean="0"/>
+              <a:t>113;</a:t>
+            </a:r>
+          </a:p>
+          <a:p>
+            <a:r>
+              <a:rPr lang="en-US" dirty="0" smtClean="0"/>
+              <a:t>[2] Chan </a:t>
+            </a:r>
+            <a:r>
+              <a:rPr lang="en-US" dirty="0"/>
+              <a:t>PK, Fan W, </a:t>
+            </a:r>
+            <a:r>
+              <a:rPr lang="en-US" dirty="0" err="1"/>
+              <a:t>Prodromidis</a:t>
+            </a:r>
+            <a:r>
+              <a:rPr lang="en-US" dirty="0"/>
+              <a:t> AL, </a:t>
+            </a:r>
+            <a:r>
+              <a:rPr lang="en-US" dirty="0" err="1"/>
+              <a:t>Stolfo</a:t>
+            </a:r>
+            <a:r>
+              <a:rPr lang="en-US" dirty="0"/>
+              <a:t> SJ (1999) Distributed data </a:t>
+            </a:r>
+            <a:r>
+              <a:rPr lang="en-US" dirty="0" smtClean="0"/>
+              <a:t>mining in </a:t>
+            </a:r>
+            <a:r>
+              <a:rPr lang="en-US" dirty="0"/>
+              <a:t>credit card fraud detection. IEEE Intelligent Systems and their Applications 14(6):</a:t>
+            </a:r>
+            <a:r>
+              <a:rPr lang="en-US" dirty="0" smtClean="0"/>
+              <a:t>67–74;</a:t>
+            </a:r>
+            <a:endParaRPr lang="pt-BR" dirty="0" smtClean="0"/>
+          </a:p>
+          <a:p>
+            <a:r>
+              <a:rPr lang="en-US" dirty="0" smtClean="0"/>
+              <a:t>[3] </a:t>
+            </a:r>
+            <a:r>
+              <a:rPr lang="en-US" dirty="0" err="1" smtClean="0"/>
+              <a:t>Chandola</a:t>
+            </a:r>
+            <a:r>
+              <a:rPr lang="en-US" dirty="0" smtClean="0"/>
+              <a:t> </a:t>
+            </a:r>
+            <a:r>
+              <a:rPr lang="en-US" dirty="0"/>
+              <a:t>V, Banerjee A, Kumar V (2009) Anomaly detection: A survey. </a:t>
+            </a:r>
+            <a:r>
+              <a:rPr lang="en-US" dirty="0" smtClean="0"/>
+              <a:t>ACM </a:t>
+            </a:r>
+            <a:r>
+              <a:rPr lang="en-US" dirty="0" err="1" smtClean="0"/>
+              <a:t>Comput</a:t>
+            </a:r>
+            <a:r>
+              <a:rPr lang="en-US" dirty="0" smtClean="0"/>
+              <a:t> </a:t>
+            </a:r>
+            <a:r>
+              <a:rPr lang="en-US" dirty="0" err="1"/>
+              <a:t>Surv</a:t>
+            </a:r>
+            <a:r>
+              <a:rPr lang="en-US" dirty="0"/>
+              <a:t> 41(3):</a:t>
+            </a:r>
+            <a:r>
+              <a:rPr lang="en-US" dirty="0" smtClean="0"/>
+              <a:t>15:1–15:58;</a:t>
+            </a:r>
+          </a:p>
+          <a:p>
+            <a:r>
+              <a:rPr lang="en-US" dirty="0" smtClean="0"/>
+              <a:t>[4] Fawcett </a:t>
+            </a:r>
+            <a:r>
+              <a:rPr lang="en-US" dirty="0"/>
+              <a:t>T, Provost F (1997) Adaptive fraud detection. Data Mining </a:t>
+            </a:r>
+            <a:r>
+              <a:rPr lang="en-US" dirty="0" smtClean="0"/>
+              <a:t>and Knowledge </a:t>
+            </a:r>
+            <a:r>
+              <a:rPr lang="en-US" dirty="0"/>
+              <a:t>Discovery 1(3):</a:t>
+            </a:r>
+            <a:r>
+              <a:rPr lang="en-US" dirty="0" smtClean="0"/>
+              <a:t>291–316;</a:t>
+            </a:r>
+            <a:endParaRPr lang="pt-BR" dirty="0" smtClean="0"/>
+          </a:p>
+          <a:p>
+            <a:r>
+              <a:rPr lang="en-US" smtClean="0"/>
+              <a:t>[5] Seyedhossein</a:t>
+            </a:r>
+            <a:r>
+              <a:rPr lang="en-US" dirty="0" smtClean="0"/>
+              <a:t> </a:t>
+            </a:r>
+            <a:r>
+              <a:rPr lang="en-US" dirty="0"/>
+              <a:t>L, </a:t>
+            </a:r>
+            <a:r>
+              <a:rPr lang="en-US" dirty="0" err="1"/>
+              <a:t>Hashemi</a:t>
+            </a:r>
+            <a:r>
+              <a:rPr lang="en-US" dirty="0"/>
+              <a:t> MR (2010) Mining information from credit </a:t>
+            </a:r>
+            <a:r>
+              <a:rPr lang="en-US" dirty="0" smtClean="0"/>
+              <a:t>card time </a:t>
+            </a:r>
+            <a:r>
+              <a:rPr lang="en-US" dirty="0"/>
+              <a:t>series for timelier </a:t>
+            </a:r>
+            <a:r>
+              <a:rPr lang="en-US" dirty="0" smtClean="0"/>
+              <a:t>fraud detection</a:t>
+            </a:r>
+            <a:r>
+              <a:rPr lang="en-US" dirty="0"/>
+              <a:t>. In: Telecommunications (IST), </a:t>
+            </a:r>
+            <a:r>
+              <a:rPr lang="en-US" dirty="0" smtClean="0"/>
+              <a:t>2010 5th </a:t>
+            </a:r>
+            <a:r>
+              <a:rPr lang="en-US" dirty="0"/>
+              <a:t>International Symposium on, pp </a:t>
+            </a:r>
+            <a:r>
+              <a:rPr lang="en-US" dirty="0" smtClean="0"/>
+              <a:t>619–624.</a:t>
             </a:r>
             <a:r>
               <a:rPr lang="pt-BR" dirty="0" smtClean="0"/>
-              <a:t>ACM </a:t>
-            </a:r>
-            <a:r>
-              <a:rPr lang="pt-BR" dirty="0"/>
-              <a:t>Comput. </a:t>
-            </a:r>
-            <a:r>
-              <a:rPr lang="pt-BR" dirty="0" err="1"/>
-              <a:t>Surv</a:t>
-            </a:r>
-            <a:r>
-              <a:rPr lang="pt-BR" dirty="0"/>
-              <a:t>. 41, 3, </a:t>
-            </a:r>
-            <a:r>
-              <a:rPr lang="pt-BR" dirty="0" err="1"/>
-              <a:t>Article</a:t>
-            </a:r>
-            <a:r>
-              <a:rPr lang="pt-BR" dirty="0"/>
-              <a:t> 15 (July 2009), 58 </a:t>
-            </a:r>
-            <a:r>
-              <a:rPr lang="pt-BR" dirty="0" err="1"/>
-              <a:t>pages</a:t>
-            </a:r>
-            <a:r>
-              <a:rPr lang="pt-BR" dirty="0"/>
-              <a:t>. </a:t>
-            </a:r>
-            <a:r>
+              <a:t/>
+            </a:r>
+            <a:br>
               <a:rPr lang="pt-BR" dirty="0" smtClean="0"/>
-              <a:t>2009.</a:t>
-            </a:r>
-          </a:p>
-          <a:p>
-            <a:r>
-              <a:rPr lang="en-US" dirty="0"/>
-              <a:t>SEYEDHOSSEIN, L.; HASHEMI, M. R. Mining information from credit card time series for timelier fraud detection, Telecommunications (IST), 2010 5th International Symposium on, Tehran, 2010, pp. 619-624</a:t>
-            </a:r>
-            <a:r>
-              <a:rPr lang="en-US" dirty="0" smtClean="0"/>
-              <a:t>.</a:t>
-            </a:r>
-          </a:p>
-          <a:p>
-            <a:r>
-              <a:rPr lang="en-US" dirty="0"/>
-              <a:t>ABDALLA, A</a:t>
-            </a:r>
-            <a:r>
-              <a:rPr lang="en-US" dirty="0" smtClean="0"/>
-              <a:t>.; </a:t>
-            </a:r>
-            <a:r>
-              <a:rPr lang="en-US" dirty="0"/>
-              <a:t>AIZAINI, M</a:t>
-            </a:r>
-            <a:r>
-              <a:rPr lang="en-US" dirty="0" smtClean="0"/>
-              <a:t>.; </a:t>
-            </a:r>
-            <a:r>
-              <a:rPr lang="en-US" dirty="0"/>
-              <a:t>ZAINAL, A. Fraud detection system: A survey, Journal of Network and Computer Applications, Volume 68, June </a:t>
-            </a:r>
-            <a:r>
-              <a:rPr lang="en-US" dirty="0" smtClean="0"/>
-              <a:t>2016.</a:t>
-            </a:r>
-            <a:r>
-              <a:rPr lang="en-US" dirty="0"/>
-              <a:t/>
-            </a:r>
-            <a:br>
-              <a:rPr lang="en-US" dirty="0"/>
-            </a:br>
-            <a:r>
-              <a:rPr lang="en-US" dirty="0"/>
-              <a:t/>
-            </a:r>
-            <a:br>
-              <a:rPr lang="en-US" dirty="0"/>
-            </a:br>
-            <a:r>
-              <a:rPr lang="pt-BR" dirty="0"/>
-              <a:t/>
-            </a:r>
-            <a:br>
-              <a:rPr lang="pt-BR" dirty="0"/>
-            </a:br>
-            <a:r>
-              <a:rPr lang="pt-BR" dirty="0"/>
-              <a:t/>
-            </a:r>
-            <a:br>
-              <a:rPr lang="pt-BR" dirty="0"/>
             </a:br>
             <a:endParaRPr lang="pt-BR" dirty="0"/>
           </a:p>
@@ -7786,7 +8057,7 @@
             <a:fld id="{D57F1E4F-1CFF-5643-939E-217C01CDF565}" type="slidenum">
               <a:rPr lang="en-US" smtClean="0"/>
               <a:pPr/>
-              <a:t>15</a:t>
+              <a:t>16</a:t>
             </a:fld>
             <a:endParaRPr lang="en-US" dirty="0"/>
           </a:p>
@@ -7890,7 +8161,6 @@
               <a:rPr lang="pt-BR" dirty="0" smtClean="0"/>
               <a:t>Geral;</a:t>
             </a:r>
-            <a:endParaRPr lang="pt-BR" dirty="0" smtClean="0"/>
           </a:p>
           <a:p>
             <a:pPr lvl="1"/>
@@ -8185,15 +8455,7 @@
           <a:p>
             <a:r>
               <a:rPr lang="pt-BR" dirty="0" smtClean="0"/>
-              <a:t>Estudar </a:t>
-            </a:r>
-            <a:r>
-              <a:rPr lang="pt-BR" dirty="0" smtClean="0"/>
-              <a:t>uma área que está em constante acréscimo de importância no Estado da </a:t>
-            </a:r>
-            <a:r>
-              <a:rPr lang="pt-BR" dirty="0" smtClean="0"/>
-              <a:t>Arte</a:t>
+              <a:t>Estudar uma área que está em constante acréscimo de importância no Estado da Arte</a:t>
             </a:r>
             <a:r>
               <a:rPr lang="pt-BR" dirty="0"/>
@@ -8299,56 +8561,10 @@
         </p:nvSpPr>
         <p:spPr/>
         <p:txBody>
-          <a:bodyPr>
-            <a:normAutofit/>
-          </a:bodyPr>
-          <a:lstStyle/>
-          <a:p>
-            <a:r>
-              <a:rPr lang="en-US" b="1" dirty="0" err="1" smtClean="0"/>
-              <a:t>Resultados</a:t>
-            </a:r>
-            <a:r>
-              <a:rPr lang="en-US" b="1" dirty="0" smtClean="0"/>
-              <a:t> </a:t>
-            </a:r>
-            <a:r>
-              <a:rPr lang="en-US" b="1" dirty="0" err="1" smtClean="0"/>
-              <a:t>em</a:t>
-            </a:r>
-            <a:r>
-              <a:rPr lang="en-US" b="1" dirty="0" smtClean="0"/>
-              <a:t> bases </a:t>
-            </a:r>
-            <a:r>
-              <a:rPr lang="en-US" b="1" dirty="0"/>
-              <a:t>com as </a:t>
-            </a:r>
-            <a:r>
-              <a:rPr lang="en-US" b="1" dirty="0" err="1" smtClean="0"/>
-              <a:t>palavras</a:t>
-            </a:r>
-            <a:r>
-              <a:rPr lang="en-US" b="1" dirty="0" err="1"/>
-              <a:t>-</a:t>
-            </a:r>
-            <a:r>
-              <a:rPr lang="en-US" b="1" dirty="0" err="1" smtClean="0"/>
-              <a:t>chave</a:t>
-            </a:r>
-            <a:r>
-              <a:rPr lang="en-US" b="1" dirty="0" smtClean="0"/>
-              <a:t> </a:t>
-            </a:r>
-            <a:r>
-              <a:rPr lang="en-US" b="1" dirty="0"/>
-              <a:t>“Fraud </a:t>
-            </a:r>
-            <a:r>
-              <a:rPr lang="en-US" b="1" dirty="0" smtClean="0"/>
-              <a:t>Detection Credit Card”:</a:t>
-            </a:r>
-            <a:endParaRPr lang="pt-BR" dirty="0"/>
+          <a:bodyPr/>
+          <a:lstStyle/>
+          <a:p>
+            <a:endParaRPr lang="pt-BR"/>
           </a:p>
         </p:txBody>
       </p:sp>
@@ -8364,81 +8580,10 @@
         </p:nvSpPr>
         <p:spPr/>
         <p:txBody>
-          <a:bodyPr>
-            <a:normAutofit/>
-          </a:bodyPr>
-          <a:lstStyle/>
-          <a:p>
-            <a:r>
-              <a:rPr lang="en-US" b="1" dirty="0" smtClean="0"/>
-              <a:t>ACM Digital Library - 25.297 </a:t>
-            </a:r>
-            <a:r>
-              <a:rPr lang="en-US" b="1" dirty="0" err="1" smtClean="0"/>
-              <a:t>resultados</a:t>
-            </a:r>
-            <a:r>
-              <a:rPr lang="en-US" b="1" dirty="0" smtClean="0"/>
-              <a:t>;</a:t>
-            </a:r>
-            <a:endParaRPr lang="en-US" b="1" dirty="0"/>
-          </a:p>
-          <a:p>
-            <a:r>
-              <a:rPr lang="en-US" b="1" dirty="0" err="1" smtClean="0"/>
-              <a:t>IEEEXplore</a:t>
-            </a:r>
-            <a:r>
-              <a:rPr lang="en-US" b="1" dirty="0" smtClean="0"/>
-              <a:t> – 720 </a:t>
-            </a:r>
-            <a:r>
-              <a:rPr lang="en-US" b="1" dirty="0" err="1" smtClean="0"/>
-              <a:t>resultados</a:t>
-            </a:r>
-            <a:r>
-              <a:rPr lang="en-US" b="1" dirty="0" smtClean="0"/>
-              <a:t>;</a:t>
-            </a:r>
-            <a:endParaRPr lang="en-US" b="1" dirty="0"/>
-          </a:p>
-          <a:p>
-            <a:r>
-              <a:rPr lang="en-US" b="1" dirty="0" err="1" smtClean="0"/>
-              <a:t>ScienceDirect</a:t>
-            </a:r>
-            <a:r>
-              <a:rPr lang="en-US" b="1" dirty="0" smtClean="0"/>
-              <a:t> - 8.615 </a:t>
-            </a:r>
-            <a:r>
-              <a:rPr lang="en-US" b="1" dirty="0" err="1" smtClean="0"/>
-              <a:t>resultados</a:t>
-            </a:r>
-            <a:r>
-              <a:rPr lang="en-US" b="1" dirty="0" smtClean="0"/>
-              <a:t>;</a:t>
-            </a:r>
-            <a:endParaRPr lang="en-US" b="1" dirty="0"/>
-          </a:p>
-          <a:p>
-            <a:r>
-              <a:rPr lang="en-US" dirty="0"/>
-              <a:t>Google </a:t>
-            </a:r>
-            <a:r>
-              <a:rPr lang="en-US" dirty="0" smtClean="0"/>
-              <a:t>Scholar - 191.000 </a:t>
-            </a:r>
-            <a:r>
-              <a:rPr lang="en-US" dirty="0" err="1" smtClean="0"/>
-              <a:t>resultados</a:t>
-            </a:r>
-            <a:r>
-              <a:rPr lang="en-US" dirty="0" smtClean="0"/>
-              <a:t>.</a:t>
-            </a:r>
-            <a:endParaRPr lang="pt-BR" dirty="0"/>
+          <a:bodyPr/>
+          <a:lstStyle/>
+          <a:p>
+            <a:endParaRPr lang="pt-BR"/>
           </a:p>
         </p:txBody>
       </p:sp>
@@ -8489,10 +8634,34 @@
           </a:p>
         </p:txBody>
       </p:sp>
+      <p:pic>
+        <p:nvPicPr>
+          <p:cNvPr id="6" name="Imagem 5"/>
+          <p:cNvPicPr>
+            <a:picLocks noChangeAspect="1"/>
+          </p:cNvPicPr>
+          <p:nvPr/>
+        </p:nvPicPr>
+        <p:blipFill>
+          <a:blip r:embed="rId2"/>
+          <a:stretch>
+            <a:fillRect/>
+          </a:stretch>
+        </p:blipFill>
+        <p:spPr>
+          <a:xfrm>
+            <a:off x="2572279" y="19050"/>
+            <a:ext cx="9096375" cy="6838950"/>
+          </a:xfrm>
+          <a:prstGeom prst="rect">
+            <a:avLst/>
+          </a:prstGeom>
+        </p:spPr>
+      </p:pic>
     </p:spTree>
     <p:extLst>
       <p:ext uri="{BB962C8B-B14F-4D97-AF65-F5344CB8AC3E}">
-        <p14:creationId xmlns:p14="http://schemas.microsoft.com/office/powerpoint/2010/main" val="4136165056"/>
+        <p14:creationId xmlns:p14="http://schemas.microsoft.com/office/powerpoint/2010/main" val="2452312151"/>
       </p:ext>
     </p:extLst>
   </p:cSld>
@@ -8531,12 +8700,66 @@
         </p:nvSpPr>
         <p:spPr/>
         <p:txBody>
-          <a:bodyPr/>
-          <a:lstStyle/>
-          <a:p>
-            <a:r>
-              <a:rPr lang="pt-BR" dirty="0" smtClean="0"/>
-              <a:t>Objetivos</a:t>
+          <a:bodyPr>
+            <a:normAutofit fontScale="90000"/>
+          </a:bodyPr>
+          <a:lstStyle/>
+          <a:p>
+            <a:r>
+              <a:rPr lang="en-US" b="1" dirty="0" err="1" smtClean="0"/>
+              <a:t>Resultados</a:t>
+            </a:r>
+            <a:r>
+              <a:rPr lang="en-US" b="1" dirty="0" smtClean="0"/>
+              <a:t> </a:t>
+            </a:r>
+            <a:r>
+              <a:rPr lang="en-US" b="1" dirty="0" err="1" smtClean="0"/>
+              <a:t>em</a:t>
+            </a:r>
+            <a:r>
+              <a:rPr lang="en-US" b="1" dirty="0" smtClean="0"/>
+              <a:t> bases </a:t>
+            </a:r>
+            <a:r>
+              <a:rPr lang="en-US" b="1" dirty="0"/>
+              <a:t>com as </a:t>
+            </a:r>
+            <a:r>
+              <a:rPr lang="en-US" b="1" dirty="0" err="1" smtClean="0"/>
+              <a:t>palavras</a:t>
+            </a:r>
+            <a:r>
+              <a:rPr lang="en-US" b="1" dirty="0" err="1"/>
+              <a:t>-</a:t>
+            </a:r>
+            <a:r>
+              <a:rPr lang="en-US" b="1" dirty="0" err="1" smtClean="0"/>
+              <a:t>chave</a:t>
+            </a:r>
+            <a:r>
+              <a:rPr lang="en-US" b="1" dirty="0" smtClean="0"/>
+              <a:t> </a:t>
+            </a:r>
+            <a:r>
+              <a:rPr lang="en-US" b="1" dirty="0"/>
+              <a:t>“Fraud </a:t>
+            </a:r>
+            <a:r>
+              <a:rPr lang="en-US" b="1" dirty="0" smtClean="0"/>
+              <a:t>Detection Credit Card</a:t>
+            </a:r>
+            <a:r>
+              <a:rPr lang="en-US" b="1" dirty="0" smtClean="0"/>
+              <a:t>” no </a:t>
+            </a:r>
+            <a:r>
+              <a:rPr lang="en-US" b="1" dirty="0" err="1" smtClean="0"/>
+              <a:t>periodo</a:t>
+            </a:r>
+            <a:r>
+              <a:rPr lang="en-US" b="1" dirty="0" smtClean="0"/>
+              <a:t> entre :</a:t>
             </a:r>
             <a:endParaRPr lang="pt-BR" dirty="0"/>
           </a:p>
@@ -8554,46 +8777,111 @@
         </p:nvSpPr>
         <p:spPr/>
         <p:txBody>
-          <a:bodyPr/>
-          <a:lstStyle/>
-          <a:p>
-            <a:r>
-              <a:rPr lang="pt-BR" dirty="0" smtClean="0"/>
-              <a:t>Geral;</a:t>
-            </a:r>
-          </a:p>
-          <a:p>
-            <a:pPr lvl="1"/>
-            <a:r>
-              <a:rPr lang="pt-BR" dirty="0" smtClean="0"/>
-              <a:t>Realizar </a:t>
-            </a:r>
-            <a:r>
-              <a:rPr lang="pt-BR" dirty="0" smtClean="0"/>
-              <a:t>uma revisão sistemática para </a:t>
-            </a:r>
-            <a:r>
-              <a:rPr lang="pt-BR" dirty="0" smtClean="0"/>
-              <a:t>encontrar trabalhos relacionados a detecção de </a:t>
-            </a:r>
-            <a:r>
-              <a:rPr lang="pt-BR" dirty="0" smtClean="0"/>
-              <a:t>fraudes em contexto de cartões de crédito.</a:t>
-            </a:r>
-            <a:endParaRPr lang="pt-BR" dirty="0" smtClean="0"/>
-          </a:p>
-          <a:p>
-            <a:r>
-              <a:rPr lang="pt-BR" dirty="0" smtClean="0"/>
-              <a:t>Específico.</a:t>
-            </a:r>
-          </a:p>
-          <a:p>
-            <a:pPr lvl="1"/>
-            <a:r>
-              <a:rPr lang="pt-BR" dirty="0" smtClean="0"/>
-              <a:t>Determinar quais métodos (algoritmos) computacionais funcionam melhor para determinadas características e então se aprofundar nos casos relacionados ao problema apresentado.</a:t>
-            </a:r>
+          <a:bodyPr>
+            <a:normAutofit/>
+          </a:bodyPr>
+          <a:lstStyle/>
+          <a:p>
+            <a:r>
+              <a:rPr lang="en-US" b="1" dirty="0" smtClean="0"/>
+              <a:t>ACM Digital Library </a:t>
+            </a:r>
+            <a:r>
+              <a:rPr lang="en-US" b="1" dirty="0" smtClean="0"/>
+              <a:t>– 13.412 </a:t>
+            </a:r>
+            <a:r>
+              <a:rPr lang="en-US" b="1" dirty="0" err="1" smtClean="0"/>
+              <a:t>resultados</a:t>
+            </a:r>
+            <a:r>
+              <a:rPr lang="en-US" b="1" dirty="0" smtClean="0"/>
+              <a:t>;</a:t>
+            </a:r>
+            <a:endParaRPr lang="en-US" b="1" dirty="0"/>
+          </a:p>
+          <a:p>
+            <a:r>
+              <a:rPr lang="en-US" b="1" dirty="0" err="1" smtClean="0"/>
+              <a:t>IEEEXplore</a:t>
+            </a:r>
+            <a:r>
+              <a:rPr lang="en-US" b="1" dirty="0" smtClean="0"/>
+              <a:t> – </a:t>
+            </a:r>
+            <a:r>
+              <a:rPr lang="en-US" b="1" dirty="0" smtClean="0"/>
+              <a:t>71 </a:t>
+            </a:r>
+            <a:r>
+              <a:rPr lang="en-US" b="1" dirty="0" err="1" smtClean="0"/>
+              <a:t>resultados</a:t>
+            </a:r>
+            <a:r>
+              <a:rPr lang="en-US" b="1" dirty="0" smtClean="0"/>
+              <a:t>;</a:t>
+            </a:r>
+            <a:endParaRPr lang="en-US" b="1" dirty="0"/>
+          </a:p>
+          <a:p>
+            <a:r>
+              <a:rPr lang="en-US" b="1" dirty="0" err="1" smtClean="0"/>
+              <a:t>ScienceDirect</a:t>
+            </a:r>
+            <a:r>
+              <a:rPr lang="en-US" b="1" dirty="0" smtClean="0"/>
+              <a:t> - </a:t>
+            </a:r>
+            <a:r>
+              <a:rPr lang="en-US" b="1" dirty="0" smtClean="0"/>
+              <a:t>709 </a:t>
+            </a:r>
+            <a:r>
+              <a:rPr lang="en-US" b="1" dirty="0" err="1" smtClean="0"/>
+              <a:t>resultados</a:t>
+            </a:r>
+            <a:r>
+              <a:rPr lang="en-US" b="1" dirty="0" smtClean="0"/>
+              <a:t>;</a:t>
+            </a:r>
+          </a:p>
+          <a:p>
+            <a:r>
+              <a:rPr lang="en-US" b="1" dirty="0" smtClean="0"/>
+              <a:t>Springer Link – 1.101 </a:t>
+            </a:r>
+            <a:r>
+              <a:rPr lang="en-US" b="1" dirty="0" err="1" smtClean="0"/>
+              <a:t>resultados</a:t>
+            </a:r>
+            <a:r>
+              <a:rPr lang="en-US" b="1" dirty="0" smtClean="0"/>
+              <a:t>;</a:t>
+            </a:r>
+            <a:endParaRPr lang="en-US" b="1" dirty="0"/>
+          </a:p>
+          <a:p>
+            <a:r>
+              <a:rPr lang="en-US" dirty="0"/>
+              <a:t>Google </a:t>
+            </a:r>
+            <a:r>
+              <a:rPr lang="en-US" dirty="0" smtClean="0"/>
+              <a:t>Scholar </a:t>
+            </a:r>
+            <a:r>
+              <a:rPr lang="en-US" dirty="0" smtClean="0"/>
+              <a:t>– 16.700 </a:t>
+            </a:r>
+            <a:r>
+              <a:rPr lang="en-US" dirty="0" err="1" smtClean="0"/>
+              <a:t>resultados</a:t>
+            </a:r>
+            <a:r>
+              <a:rPr lang="en-US" dirty="0" smtClean="0"/>
+              <a:t>.</a:t>
+            </a:r>
+            <a:endParaRPr lang="pt-BR" dirty="0"/>
           </a:p>
         </p:txBody>
       </p:sp>
@@ -8647,7 +8935,7 @@
     </p:spTree>
     <p:extLst>
       <p:ext uri="{BB962C8B-B14F-4D97-AF65-F5344CB8AC3E}">
-        <p14:creationId xmlns:p14="http://schemas.microsoft.com/office/powerpoint/2010/main" val="3269556157"/>
+        <p14:creationId xmlns:p14="http://schemas.microsoft.com/office/powerpoint/2010/main" val="4136165056"/>
       </p:ext>
     </p:extLst>
   </p:cSld>
@@ -8686,14 +8974,12 @@
         </p:nvSpPr>
         <p:spPr/>
         <p:txBody>
-          <a:bodyPr>
-            <a:normAutofit/>
-          </a:bodyPr>
+          <a:bodyPr/>
           <a:lstStyle/>
           <a:p>
             <a:r>
               <a:rPr lang="pt-BR" dirty="0" smtClean="0"/>
-              <a:t>Objetivos da Utilização de Sistemas para Detectar Fraudes</a:t>
+              <a:t>Objetivos</a:t>
             </a:r>
             <a:endParaRPr lang="pt-BR" dirty="0"/>
           </a:p>
@@ -8716,39 +9002,28 @@
           <a:p>
             <a:r>
               <a:rPr lang="pt-BR" dirty="0" smtClean="0"/>
-              <a:t>Redução de custos com </a:t>
-            </a:r>
-            <a:r>
-              <a:rPr lang="pt-BR" dirty="0"/>
-              <a:t>usuários maliciosos (</a:t>
-            </a:r>
-            <a:r>
-              <a:rPr lang="en-US" dirty="0"/>
-              <a:t>SEYEDHOSSEIN, L.; HASHEMI, M. R. 2009)</a:t>
-            </a:r>
+              <a:t>Geral;</a:t>
+            </a:r>
+          </a:p>
+          <a:p>
+            <a:pPr lvl="1"/>
             <a:r>
               <a:rPr lang="pt-BR" dirty="0" smtClean="0"/>
-              <a:t>;</a:t>
+              <a:t>Realizar uma revisão sistemática para encontrar trabalhos relacionados a detecção de fraudes em contexto de cartões de crédito.</a:t>
             </a:r>
           </a:p>
           <a:p>
             <a:r>
               <a:rPr lang="pt-BR" dirty="0" smtClean="0"/>
-              <a:t>Alertas de dados errôneos ou detentores de ruídos;</a:t>
-            </a:r>
-          </a:p>
-          <a:p>
+              <a:t>Específico.</a:t>
+            </a:r>
+          </a:p>
+          <a:p>
+            <a:pPr lvl="1"/>
             <a:r>
               <a:rPr lang="pt-BR" dirty="0" smtClean="0"/>
-              <a:t>Visualização de possíveis padrões indesejados;</a:t>
-            </a:r>
-          </a:p>
-          <a:p>
-            <a:r>
-              <a:rPr lang="pt-BR" dirty="0" smtClean="0"/>
-              <a:t>Melhor monitoramento das informações.</a:t>
-            </a:r>
-            <a:endParaRPr lang="pt-BR" dirty="0"/>
+              <a:t>Determinar quais métodos (algoritmos) computacionais funcionam melhor para determinadas características e então se aprofundar nos casos relacionados ao problema apresentado.</a:t>
+            </a:r>
           </a:p>
         </p:txBody>
       </p:sp>
@@ -8802,7 +9077,7 @@
     </p:spTree>
     <p:extLst>
       <p:ext uri="{BB962C8B-B14F-4D97-AF65-F5344CB8AC3E}">
-        <p14:creationId xmlns:p14="http://schemas.microsoft.com/office/powerpoint/2010/main" val="4109795259"/>
+        <p14:creationId xmlns:p14="http://schemas.microsoft.com/office/powerpoint/2010/main" val="3269556157"/>
       </p:ext>
     </p:extLst>
   </p:cSld>
@@ -8839,19 +9114,36 @@
             <p:ph type="title"/>
           </p:nvPr>
         </p:nvSpPr>
-        <p:spPr>
-          <a:xfrm>
-            <a:off x="1484310" y="0"/>
-            <a:ext cx="10018713" cy="1752599"/>
-          </a:xfrm>
-        </p:spPr>
-        <p:txBody>
-          <a:bodyPr/>
+        <p:spPr/>
+        <p:txBody>
+          <a:bodyPr>
+            <a:normAutofit/>
+          </a:bodyPr>
           <a:lstStyle/>
           <a:p>
             <a:r>
               <a:rPr lang="pt-BR" dirty="0" smtClean="0"/>
-              <a:t>Outras pesquisas relacionadas a detecção de fraudes</a:t>
+              <a:t>Objetivos da </a:t>
+            </a:r>
+            <a:r>
+              <a:rPr lang="pt-BR" dirty="0" smtClean="0"/>
+              <a:t>utilização </a:t>
+            </a:r>
+            <a:r>
+              <a:rPr lang="pt-BR" dirty="0" smtClean="0"/>
+              <a:t>de </a:t>
+            </a:r>
+            <a:r>
+              <a:rPr lang="pt-BR" dirty="0" smtClean="0"/>
+              <a:t>sistemas </a:t>
+            </a:r>
+            <a:r>
+              <a:rPr lang="pt-BR" dirty="0" smtClean="0"/>
+              <a:t>para </a:t>
+            </a:r>
+            <a:r>
+              <a:rPr lang="pt-BR" dirty="0" smtClean="0"/>
+              <a:t>detectar fraudes</a:t>
             </a:r>
             <a:endParaRPr lang="pt-BR" dirty="0"/>
           </a:p>
@@ -8867,125 +9159,46 @@
             <p:ph idx="1"/>
           </p:nvPr>
         </p:nvSpPr>
-        <p:spPr>
-          <a:xfrm>
-            <a:off x="1484310" y="1400433"/>
-            <a:ext cx="10018713" cy="4831823"/>
-          </a:xfrm>
-        </p:spPr>
-        <p:txBody>
-          <a:bodyPr>
-            <a:normAutofit fontScale="92500" lnSpcReduction="10000"/>
-          </a:bodyPr>
+        <p:spPr/>
+        <p:txBody>
+          <a:bodyPr/>
           <a:lstStyle/>
           <a:p>
             <a:r>
               <a:rPr lang="pt-BR" dirty="0" smtClean="0"/>
-              <a:t>Revisões sistemáticas</a:t>
-            </a:r>
-            <a:r>
-              <a:rPr lang="pt-BR" i="1" dirty="0" smtClean="0"/>
-              <a:t> </a:t>
+              <a:t>Redução de custos com </a:t>
+            </a:r>
+            <a:r>
+              <a:rPr lang="pt-BR" dirty="0"/>
+              <a:t>usuários maliciosos (</a:t>
+            </a:r>
+            <a:r>
+              <a:rPr lang="en-US" dirty="0"/>
+              <a:t>SEYEDHOSSEIN, L.; HASHEMI, M. R. 2009)</a:t>
             </a:r>
             <a:r>
               <a:rPr lang="pt-BR" dirty="0" smtClean="0"/>
-              <a:t>indicando trabalhos com maior incidências nos tópicos (</a:t>
-            </a:r>
-            <a:r>
-              <a:rPr lang="pt-BR" dirty="0"/>
-              <a:t>CHANDOLA, V.; BANERJEE, A.; KUMAR, </a:t>
-            </a:r>
+              <a:t>;</a:t>
+            </a:r>
+          </a:p>
+          <a:p>
             <a:r>
               <a:rPr lang="pt-BR" dirty="0" smtClean="0"/>
-              <a:t>V. 2009) e (</a:t>
-            </a:r>
-            <a:r>
-              <a:rPr lang="en-US" dirty="0"/>
-              <a:t>ABDALLA, A.; AIZAINI, M.; ZAINAL, A. </a:t>
-            </a:r>
-            <a:r>
-              <a:rPr lang="en-US" dirty="0" smtClean="0"/>
-              <a:t>2016)</a:t>
-            </a:r>
+              <a:t>Alertas de dados errôneos ou detentores de ruídos;</a:t>
+            </a:r>
+          </a:p>
+          <a:p>
             <a:r>
               <a:rPr lang="pt-BR" dirty="0" smtClean="0"/>
-              <a:t>:</a:t>
-            </a:r>
-          </a:p>
-          <a:p>
-            <a:pPr lvl="1"/>
+              <a:t>Visualização de possíveis padrões indesejados;</a:t>
+            </a:r>
+          </a:p>
+          <a:p>
             <a:r>
               <a:rPr lang="pt-BR" dirty="0" smtClean="0"/>
-              <a:t>Fraudes em cartões de crédito;</a:t>
-            </a:r>
-          </a:p>
-          <a:p>
-            <a:pPr lvl="1"/>
-            <a:r>
-              <a:rPr lang="pt-BR" dirty="0" smtClean="0"/>
-              <a:t>Golpes em seguros de saúde e de automóveis;</a:t>
-            </a:r>
-          </a:p>
-          <a:p>
-            <a:pPr lvl="1"/>
-            <a:r>
-              <a:rPr lang="pt-BR" dirty="0" smtClean="0"/>
-              <a:t>Compras online não verossímeis;</a:t>
-            </a:r>
-          </a:p>
-          <a:p>
-            <a:pPr lvl="1"/>
-            <a:r>
-              <a:rPr lang="pt-BR" dirty="0" smtClean="0"/>
-              <a:t>Fraudes em sistemas de telecomunicações;</a:t>
-            </a:r>
-          </a:p>
-          <a:p>
-            <a:pPr lvl="1"/>
-            <a:r>
-              <a:rPr lang="pt-BR" dirty="0" smtClean="0"/>
-              <a:t>Detecção de expressões faciais/corporais inesperadas;</a:t>
-            </a:r>
-          </a:p>
-          <a:p>
-            <a:pPr lvl="1"/>
-            <a:r>
-              <a:rPr lang="pt-BR" dirty="0" smtClean="0"/>
-              <a:t>Correção de </a:t>
-            </a:r>
-            <a:r>
-              <a:rPr lang="pt-BR" dirty="0"/>
-              <a:t>i</a:t>
-            </a:r>
-            <a:r>
-              <a:rPr lang="pt-BR" dirty="0" smtClean="0"/>
-              <a:t>magens;</a:t>
-            </a:r>
-          </a:p>
-          <a:p>
-            <a:pPr lvl="1"/>
-            <a:r>
-              <a:rPr lang="pt-BR" dirty="0" smtClean="0"/>
-              <a:t>Melhoras nos dados de sensores e dispositivos distribuídos;</a:t>
-            </a:r>
-          </a:p>
-          <a:p>
-            <a:pPr lvl="1"/>
-            <a:r>
-              <a:rPr lang="pt-BR" dirty="0" smtClean="0"/>
-              <a:t>Interesses industriais (falhas de máquinas ou equipamentos);</a:t>
-            </a:r>
-          </a:p>
-          <a:p>
-            <a:pPr lvl="1"/>
-            <a:r>
-              <a:rPr lang="pt-BR" dirty="0" smtClean="0"/>
-              <a:t>Interesses governamentais (ataques terroristas, corrupções).</a:t>
-            </a:r>
-          </a:p>
-          <a:p>
-            <a:pPr lvl="1"/>
-            <a:endParaRPr lang="pt-BR" dirty="0" smtClean="0"/>
+              <a:t>Melhor monitoramento das informações.</a:t>
+            </a:r>
+            <a:endParaRPr lang="pt-BR" dirty="0"/>
           </a:p>
         </p:txBody>
       </p:sp>
@@ -9039,7 +9252,7 @@
     </p:spTree>
     <p:extLst>
       <p:ext uri="{BB962C8B-B14F-4D97-AF65-F5344CB8AC3E}">
-        <p14:creationId xmlns:p14="http://schemas.microsoft.com/office/powerpoint/2010/main" val="1489100920"/>
+        <p14:creationId xmlns:p14="http://schemas.microsoft.com/office/powerpoint/2010/main" val="4109795259"/>
       </p:ext>
     </p:extLst>
   </p:cSld>
@@ -9076,14 +9289,19 @@
             <p:ph type="title"/>
           </p:nvPr>
         </p:nvSpPr>
-        <p:spPr/>
+        <p:spPr>
+          <a:xfrm>
+            <a:off x="1484310" y="0"/>
+            <a:ext cx="10018713" cy="1752599"/>
+          </a:xfrm>
+        </p:spPr>
         <p:txBody>
           <a:bodyPr/>
           <a:lstStyle/>
           <a:p>
             <a:r>
               <a:rPr lang="pt-BR" dirty="0" smtClean="0"/>
-              <a:t>Técnicas Utilizadas</a:t>
+              <a:t>Outras pesquisas relacionadas a detecção de fraudes</a:t>
             </a:r>
             <a:endParaRPr lang="pt-BR" dirty="0"/>
           </a:p>
@@ -9099,62 +9317,125 @@
             <p:ph idx="1"/>
           </p:nvPr>
         </p:nvSpPr>
-        <p:spPr/>
-        <p:txBody>
-          <a:bodyPr/>
+        <p:spPr>
+          <a:xfrm>
+            <a:off x="1484310" y="1400433"/>
+            <a:ext cx="10018713" cy="4831823"/>
+          </a:xfrm>
+        </p:spPr>
+        <p:txBody>
+          <a:bodyPr>
+            <a:normAutofit fontScale="92500" lnSpcReduction="10000"/>
+          </a:bodyPr>
           <a:lstStyle/>
           <a:p>
             <a:r>
               <a:rPr lang="pt-BR" dirty="0" smtClean="0"/>
-              <a:t>Detecção de vizinhos;</a:t>
-            </a:r>
-          </a:p>
-          <a:p>
+              <a:t>Revisões sistemáticas</a:t>
+            </a:r>
+            <a:r>
+              <a:rPr lang="pt-BR" i="1" dirty="0" smtClean="0"/>
+              <a:t> </a:t>
+            </a:r>
             <a:r>
               <a:rPr lang="pt-BR" dirty="0" smtClean="0"/>
-              <a:t>Detecção de desvio de padrões;</a:t>
-            </a:r>
-          </a:p>
-          <a:p>
+              <a:t>indicando trabalhos com maior incidências nos tópicos (</a:t>
+            </a:r>
+            <a:r>
+              <a:rPr lang="pt-BR" dirty="0"/>
+              <a:t>CHANDOLA, V.; BANERJEE, A.; KUMAR, </a:t>
+            </a:r>
             <a:r>
               <a:rPr lang="pt-BR" dirty="0" smtClean="0"/>
-              <a:t>Detecção de fraudes;</a:t>
-            </a:r>
-          </a:p>
-          <a:p>
+              <a:t>V. 2009) e (</a:t>
+            </a:r>
+            <a:r>
+              <a:rPr lang="en-US" dirty="0"/>
+              <a:t>ABDALLA, A.; AIZAINI, M.; ZAINAL, A. </a:t>
+            </a:r>
+            <a:r>
+              <a:rPr lang="en-US" dirty="0" smtClean="0"/>
+              <a:t>2016)</a:t>
+            </a:r>
             <a:r>
               <a:rPr lang="pt-BR" dirty="0" smtClean="0"/>
-              <a:t>Prevenção de fraudes;</a:t>
-            </a:r>
-          </a:p>
-          <a:p>
+              <a:t>:</a:t>
+            </a:r>
+          </a:p>
+          <a:p>
+            <a:pPr lvl="1"/>
             <a:r>
               <a:rPr lang="pt-BR" dirty="0" smtClean="0"/>
-              <a:t>Algoritmos em tempo real/off-line;</a:t>
-            </a:r>
-          </a:p>
-          <a:p>
+              <a:t>Fraudes em cartões de crédito;</a:t>
+            </a:r>
+          </a:p>
+          <a:p>
+            <a:pPr lvl="1"/>
             <a:r>
               <a:rPr lang="pt-BR" dirty="0" smtClean="0"/>
-              <a:t>Outros (aprendizado </a:t>
+              <a:t>Golpes em seguros de saúde e de automóveis;</a:t>
+            </a:r>
+          </a:p>
+          <a:p>
+            <a:pPr lvl="1"/>
+            <a:r>
+              <a:rPr lang="pt-BR" dirty="0" smtClean="0"/>
+              <a:t>Compras online não verossímeis;</a:t>
+            </a:r>
+          </a:p>
+          <a:p>
+            <a:pPr lvl="1"/>
+            <a:r>
+              <a:rPr lang="pt-BR" dirty="0" smtClean="0"/>
+              <a:t>Fraudes em sistemas de telecomunicações;</a:t>
+            </a:r>
+          </a:p>
+          <a:p>
+            <a:pPr lvl="1"/>
+            <a:r>
+              <a:rPr lang="pt-BR" dirty="0" smtClean="0"/>
+              <a:t>Detecção de expressões faciais/corporais inesperadas;</a:t>
+            </a:r>
+          </a:p>
+          <a:p>
+            <a:pPr lvl="1"/>
+            <a:r>
+              <a:rPr lang="pt-BR" dirty="0" smtClean="0"/>
+              <a:t>Correção de </a:t>
             </a:r>
             <a:r>
               <a:rPr lang="pt-BR" dirty="0"/>
-              <a:t>de </a:t>
+              <a:t>i</a:t>
             </a:r>
             <a:r>
               <a:rPr lang="pt-BR" dirty="0" smtClean="0"/>
-              <a:t>máquina, k-</a:t>
-            </a:r>
-            <a:r>
-              <a:rPr lang="pt-BR" dirty="0" err="1" smtClean="0"/>
-              <a:t>means</a:t>
-            </a:r>
+              <a:t>magens;</a:t>
+            </a:r>
+          </a:p>
+          <a:p>
+            <a:pPr lvl="1"/>
             <a:r>
               <a:rPr lang="pt-BR" dirty="0" smtClean="0"/>
-              <a:t>, ruído gaussiano, ...)</a:t>
-            </a:r>
-            <a:endParaRPr lang="pt-BR" dirty="0"/>
+              <a:t>Melhoras nos dados de sensores e dispositivos distribuídos;</a:t>
+            </a:r>
+          </a:p>
+          <a:p>
+            <a:pPr lvl="1"/>
+            <a:r>
+              <a:rPr lang="pt-BR" dirty="0" smtClean="0"/>
+              <a:t>Interesses industriais (falhas de máquinas ou equipamentos);</a:t>
+            </a:r>
+          </a:p>
+          <a:p>
+            <a:pPr lvl="1"/>
+            <a:r>
+              <a:rPr lang="pt-BR" dirty="0" smtClean="0"/>
+              <a:t>Interesses governamentais (ataques terroristas, corrupções).</a:t>
+            </a:r>
+          </a:p>
+          <a:p>
+            <a:pPr lvl="1"/>
+            <a:endParaRPr lang="pt-BR" dirty="0" smtClean="0"/>
           </a:p>
         </p:txBody>
       </p:sp>
@@ -9208,7 +9489,7 @@
     </p:spTree>
     <p:extLst>
       <p:ext uri="{BB962C8B-B14F-4D97-AF65-F5344CB8AC3E}">
-        <p14:creationId xmlns:p14="http://schemas.microsoft.com/office/powerpoint/2010/main" val="3575291420"/>
+        <p14:creationId xmlns:p14="http://schemas.microsoft.com/office/powerpoint/2010/main" val="1489100920"/>
       </p:ext>
     </p:extLst>
   </p:cSld>

--- a/Trabalho Jean Rangel/arquivos/Apresentacao/Segunda versao/Software para Detecção de Fraudes – Um Survey.pptx
+++ b/Trabalho Jean Rangel/arquivos/Apresentacao/Segunda versao/Software para Detecção de Fraudes – Um Survey.pptx
@@ -212,7 +212,7 @@
           <a:p>
             <a:fld id="{4F3FD4A5-F1F0-4246-A62D-BF5F071949F1}" type="datetimeFigureOut">
               <a:rPr lang="pt-BR" smtClean="0"/>
-              <a:t>03/08/2016</a:t>
+              <a:t>04/08/2016</a:t>
             </a:fld>
             <a:endParaRPr lang="pt-BR"/>
           </a:p>
@@ -1150,7 +1150,7 @@
           <a:p>
             <a:fld id="{9578FCD0-97F1-4A8A-A461-8D1BE5C62546}" type="datetime1">
               <a:rPr lang="en-US" smtClean="0"/>
-              <a:t>8/3/2016</a:t>
+              <a:t>8/4/2016</a:t>
             </a:fld>
             <a:endParaRPr lang="en-US" dirty="0"/>
           </a:p>
@@ -1446,7 +1446,7 @@
           <a:p>
             <a:fld id="{E4E0A17D-BC4E-47E1-A8C7-97D70AE317DC}" type="datetime1">
               <a:rPr lang="en-US" smtClean="0"/>
-              <a:t>8/3/2016</a:t>
+              <a:t>8/4/2016</a:t>
             </a:fld>
             <a:endParaRPr lang="en-US" dirty="0"/>
           </a:p>
@@ -1694,7 +1694,7 @@
           <a:p>
             <a:fld id="{DA7F6C65-D594-4C5A-98F8-197DEA049F5C}" type="datetime1">
               <a:rPr lang="en-US" smtClean="0"/>
-              <a:t>8/3/2016</a:t>
+              <a:t>8/4/2016</a:t>
             </a:fld>
             <a:endParaRPr lang="en-US" dirty="0"/>
           </a:p>
@@ -2234,7 +2234,7 @@
           <a:p>
             <a:fld id="{47C48C6E-F5C2-48FA-B41D-CC45F1A558F0}" type="datetime1">
               <a:rPr lang="en-US" smtClean="0"/>
-              <a:t>8/3/2016</a:t>
+              <a:t>8/4/2016</a:t>
             </a:fld>
             <a:endParaRPr lang="en-US" dirty="0"/>
           </a:p>
@@ -2482,7 +2482,7 @@
           <a:p>
             <a:fld id="{15881C0C-5996-4FCA-AF73-28DFF9669C82}" type="datetime1">
               <a:rPr lang="en-US" smtClean="0"/>
-              <a:t>8/3/2016</a:t>
+              <a:t>8/4/2016</a:t>
             </a:fld>
             <a:endParaRPr lang="en-US" dirty="0"/>
           </a:p>
@@ -3014,7 +3014,7 @@
           <a:p>
             <a:fld id="{C34EEF24-02A5-4922-B38A-03631FD56F8B}" type="datetime1">
               <a:rPr lang="en-US" smtClean="0"/>
-              <a:t>8/3/2016</a:t>
+              <a:t>8/4/2016</a:t>
             </a:fld>
             <a:endParaRPr lang="en-US" dirty="0"/>
           </a:p>
@@ -3311,7 +3311,7 @@
           <a:p>
             <a:fld id="{4BB3DC62-D5D0-4C3D-8814-8AE96A1BD6B9}" type="datetime1">
               <a:rPr lang="en-US" smtClean="0"/>
-              <a:t>8/3/2016</a:t>
+              <a:t>8/4/2016</a:t>
             </a:fld>
             <a:endParaRPr lang="en-US" dirty="0"/>
           </a:p>
@@ -3485,7 +3485,7 @@
           <a:p>
             <a:fld id="{8958D7DE-538A-41D0-A4C0-77D2D2E319B9}" type="datetime1">
               <a:rPr lang="en-US" smtClean="0"/>
-              <a:t>8/3/2016</a:t>
+              <a:t>8/4/2016</a:t>
             </a:fld>
             <a:endParaRPr lang="en-US" dirty="0"/>
           </a:p>
@@ -3665,7 +3665,7 @@
           <a:p>
             <a:fld id="{B3BA72E3-B87F-4C10-B61B-C2656FBC65A4}" type="datetime1">
               <a:rPr lang="en-US" smtClean="0"/>
-              <a:t>8/3/2016</a:t>
+              <a:t>8/4/2016</a:t>
             </a:fld>
             <a:endParaRPr lang="en-US" dirty="0"/>
           </a:p>
@@ -3835,7 +3835,7 @@
           <a:p>
             <a:fld id="{3DE91ACB-AEBA-4994-87E4-A4205881A450}" type="datetime1">
               <a:rPr lang="en-US" smtClean="0"/>
-              <a:t>8/3/2016</a:t>
+              <a:t>8/4/2016</a:t>
             </a:fld>
             <a:endParaRPr lang="en-US" dirty="0"/>
           </a:p>
@@ -4086,7 +4086,7 @@
           <a:p>
             <a:fld id="{774CF394-D056-44D9-9DEC-944346A17A36}" type="datetime1">
               <a:rPr lang="en-US" smtClean="0"/>
-              <a:t>8/3/2016</a:t>
+              <a:t>8/4/2016</a:t>
             </a:fld>
             <a:endParaRPr lang="en-US" dirty="0"/>
           </a:p>
@@ -4383,7 +4383,7 @@
           <a:p>
             <a:fld id="{4651659A-78C4-401D-B9FA-E17FFC9419BB}" type="datetime1">
               <a:rPr lang="en-US" smtClean="0"/>
-              <a:t>8/3/2016</a:t>
+              <a:t>8/4/2016</a:t>
             </a:fld>
             <a:endParaRPr lang="en-US" dirty="0"/>
           </a:p>
@@ -4825,7 +4825,7 @@
           <a:p>
             <a:fld id="{A002C58A-C3F7-4C50-9F01-735CE4AFD8D2}" type="datetime1">
               <a:rPr lang="en-US" smtClean="0"/>
-              <a:t>8/3/2016</a:t>
+              <a:t>8/4/2016</a:t>
             </a:fld>
             <a:endParaRPr lang="en-US" dirty="0"/>
           </a:p>
@@ -4943,7 +4943,7 @@
           <a:p>
             <a:fld id="{62CDF39B-4085-49CE-A5EB-BCD6418E9B00}" type="datetime1">
               <a:rPr lang="en-US" smtClean="0"/>
-              <a:t>8/3/2016</a:t>
+              <a:t>8/4/2016</a:t>
             </a:fld>
             <a:endParaRPr lang="en-US" dirty="0"/>
           </a:p>
@@ -5038,7 +5038,7 @@
           <a:p>
             <a:fld id="{F2EEE047-DACA-4A22-9C8F-2CCD5C4CE555}" type="datetime1">
               <a:rPr lang="en-US" smtClean="0"/>
-              <a:t>8/3/2016</a:t>
+              <a:t>8/4/2016</a:t>
             </a:fld>
             <a:endParaRPr lang="en-US" dirty="0"/>
           </a:p>
@@ -5321,7 +5321,7 @@
           <a:p>
             <a:fld id="{787A5DD5-B09A-4F2C-A9C6-C421176CD630}" type="datetime1">
               <a:rPr lang="en-US" smtClean="0"/>
-              <a:t>8/3/2016</a:t>
+              <a:t>8/4/2016</a:t>
             </a:fld>
             <a:endParaRPr lang="en-US" dirty="0"/>
           </a:p>
@@ -5612,7 +5612,7 @@
           <a:p>
             <a:fld id="{F1E70E03-0790-4F75-8848-00880ED5F0C9}" type="datetime1">
               <a:rPr lang="en-US" smtClean="0"/>
-              <a:t>8/3/2016</a:t>
+              <a:t>8/4/2016</a:t>
             </a:fld>
             <a:endParaRPr lang="en-US" dirty="0"/>
           </a:p>
@@ -6142,7 +6142,7 @@
           <a:p>
             <a:fld id="{224C9684-2E02-44A0-8A7C-88CA58D88A7E}" type="datetime1">
               <a:rPr lang="en-US" smtClean="0"/>
-              <a:t>8/3/2016</a:t>
+              <a:t>8/4/2016</a:t>
             </a:fld>
             <a:endParaRPr lang="en-US" dirty="0"/>
           </a:p>
@@ -6857,11 +6857,7 @@
           <a:p>
             <a:r>
               <a:rPr lang="pt-BR" dirty="0" smtClean="0"/>
-              <a:t>Técnicas </a:t>
-            </a:r>
-            <a:r>
-              <a:rPr lang="pt-BR" dirty="0" smtClean="0"/>
-              <a:t>utilizadas</a:t>
+              <a:t>Técnicas utilizadas</a:t>
             </a:r>
             <a:endParaRPr lang="pt-BR" dirty="0"/>
           </a:p>
@@ -7046,15 +7042,7 @@
             </a:r>
             <a:r>
               <a:rPr lang="pt-BR" dirty="0" smtClean="0"/>
-              <a:t>olucionados </a:t>
-            </a:r>
-            <a:r>
-              <a:rPr lang="pt-BR" dirty="0" smtClean="0"/>
-              <a:t>ou </a:t>
-            </a:r>
-            <a:r>
-              <a:rPr lang="pt-BR" dirty="0" smtClean="0"/>
-              <a:t>melhorados</a:t>
+              <a:t>olucionados ou melhorados</a:t>
             </a:r>
             <a:endParaRPr lang="pt-BR" dirty="0"/>
           </a:p>
@@ -7426,11 +7414,7 @@
           <a:p>
             <a:r>
               <a:rPr lang="pt-BR" dirty="0" smtClean="0"/>
-              <a:t>Indicação da </a:t>
-            </a:r>
-            <a:r>
-              <a:rPr lang="pt-BR" dirty="0" smtClean="0"/>
-              <a:t>revista</a:t>
+              <a:t>Indicação da revista</a:t>
             </a:r>
             <a:endParaRPr lang="pt-BR" dirty="0"/>
           </a:p>
@@ -8747,11 +8731,7 @@
             </a:r>
             <a:r>
               <a:rPr lang="en-US" b="1" dirty="0" smtClean="0"/>
-              <a:t>Detection Credit Card</a:t>
-            </a:r>
-            <a:r>
-              <a:rPr lang="en-US" b="1" dirty="0" smtClean="0"/>
-              <a:t>” no </a:t>
+              <a:t>Detection Credit Card” no </a:t>
             </a:r>
             <a:r>
               <a:rPr lang="en-US" b="1" dirty="0" err="1" smtClean="0"/>
@@ -8784,11 +8764,7 @@
           <a:p>
             <a:r>
               <a:rPr lang="en-US" b="1" dirty="0" smtClean="0"/>
-              <a:t>ACM Digital Library </a:t>
-            </a:r>
-            <a:r>
-              <a:rPr lang="en-US" b="1" dirty="0" smtClean="0"/>
-              <a:t>– 13.412 </a:t>
+              <a:t>ACM Digital Library – 13.412 </a:t>
             </a:r>
             <a:r>
               <a:rPr lang="en-US" b="1" dirty="0" err="1" smtClean="0"/>
@@ -8807,11 +8783,7 @@
             </a:r>
             <a:r>
               <a:rPr lang="en-US" b="1" dirty="0" smtClean="0"/>
-              <a:t> – </a:t>
-            </a:r>
-            <a:r>
-              <a:rPr lang="en-US" b="1" dirty="0" smtClean="0"/>
-              <a:t>71 </a:t>
+              <a:t> – 71 </a:t>
             </a:r>
             <a:r>
               <a:rPr lang="en-US" b="1" dirty="0" err="1" smtClean="0"/>
@@ -8830,11 +8802,7 @@
             </a:r>
             <a:r>
               <a:rPr lang="en-US" b="1" dirty="0" smtClean="0"/>
-              <a:t> - </a:t>
-            </a:r>
-            <a:r>
-              <a:rPr lang="en-US" b="1" dirty="0" smtClean="0"/>
-              <a:t>709 </a:t>
+              <a:t> - 709 </a:t>
             </a:r>
             <a:r>
               <a:rPr lang="en-US" b="1" dirty="0" err="1" smtClean="0"/>
@@ -8867,11 +8835,7 @@
             </a:r>
             <a:r>
               <a:rPr lang="en-US" dirty="0" smtClean="0"/>
-              <a:t>Scholar </a:t>
-            </a:r>
-            <a:r>
-              <a:rPr lang="en-US" dirty="0" smtClean="0"/>
-              <a:t>– 16.700 </a:t>
+              <a:t>Scholar – 16.700 </a:t>
             </a:r>
             <a:r>
               <a:rPr lang="en-US" dirty="0" err="1" smtClean="0"/>
@@ -8997,7 +8961,9 @@
         </p:nvSpPr>
         <p:spPr/>
         <p:txBody>
-          <a:bodyPr/>
+          <a:bodyPr>
+            <a:normAutofit fontScale="92500" lnSpcReduction="10000"/>
+          </a:bodyPr>
           <a:lstStyle/>
           <a:p>
             <a:r>
@@ -9015,15 +8981,32 @@
           <a:p>
             <a:r>
               <a:rPr lang="pt-BR" dirty="0" smtClean="0"/>
-              <a:t>Específico.</a:t>
+              <a:t>Específicos.</a:t>
             </a:r>
           </a:p>
           <a:p>
             <a:pPr lvl="1"/>
             <a:r>
               <a:rPr lang="pt-BR" dirty="0" smtClean="0"/>
-              <a:t>Determinar quais métodos (algoritmos) computacionais funcionam melhor para determinadas características e então se aprofundar nos casos relacionados ao problema apresentado.</a:t>
-            </a:r>
+              <a:t>Identificar e mapear técnicas de detecções de fraudes em cartões de crédito;</a:t>
+            </a:r>
+            <a:endParaRPr lang="pt-BR" dirty="0" smtClean="0"/>
+          </a:p>
+          <a:p>
+            <a:pPr lvl="1"/>
+            <a:r>
+              <a:rPr lang="pt-BR" dirty="0" smtClean="0"/>
+              <a:t>Determinar quais métodos (algoritmos) computacionais funcionam melhor para determinadas características e então se aprofundar nos casos relacionados ao problema </a:t>
+            </a:r>
+            <a:r>
+              <a:rPr lang="pt-BR" dirty="0" smtClean="0"/>
+              <a:t>apresentado, verificando se técnicas de detecção de fraudes se encaixam em </a:t>
+            </a:r>
+            <a:r>
+              <a:rPr lang="pt-BR" smtClean="0"/>
+              <a:t>outros contextos.</a:t>
+            </a:r>
+            <a:endParaRPr lang="pt-BR" dirty="0" smtClean="0"/>
           </a:p>
         </p:txBody>
       </p:sp>
@@ -9123,27 +9106,7 @@
           <a:p>
             <a:r>
               <a:rPr lang="pt-BR" dirty="0" smtClean="0"/>
-              <a:t>Objetivos da </a:t>
-            </a:r>
-            <a:r>
-              <a:rPr lang="pt-BR" dirty="0" smtClean="0"/>
-              <a:t>utilização </a:t>
-            </a:r>
-            <a:r>
-              <a:rPr lang="pt-BR" dirty="0" smtClean="0"/>
-              <a:t>de </a:t>
-            </a:r>
-            <a:r>
-              <a:rPr lang="pt-BR" dirty="0" smtClean="0"/>
-              <a:t>sistemas </a:t>
-            </a:r>
-            <a:r>
-              <a:rPr lang="pt-BR" dirty="0" smtClean="0"/>
-              <a:t>para </a:t>
-            </a:r>
-            <a:r>
-              <a:rPr lang="pt-BR" dirty="0" smtClean="0"/>
-              <a:t>detectar fraudes</a:t>
+              <a:t>Objetivos da utilização de sistemas para detectar fraudes</a:t>
             </a:r>
             <a:endParaRPr lang="pt-BR" dirty="0"/>
           </a:p>
